--- a/Manu/manuscript_figs v4.pptx
+++ b/Manu/manuscript_figs v4.pptx
@@ -5,7 +5,7 @@
     <p:sldMasterId id="2147483648" r:id="rId1"/>
   </p:sldMasterIdLst>
   <p:notesMasterIdLst>
-    <p:notesMasterId r:id="rId12"/>
+    <p:notesMasterId r:id="rId13"/>
   </p:notesMasterIdLst>
   <p:sldIdLst>
     <p:sldId id="267" r:id="rId2"/>
@@ -13,11 +13,12 @@
     <p:sldId id="270" r:id="rId4"/>
     <p:sldId id="260" r:id="rId5"/>
     <p:sldId id="261" r:id="rId6"/>
-    <p:sldId id="266" r:id="rId7"/>
-    <p:sldId id="272" r:id="rId8"/>
-    <p:sldId id="257" r:id="rId9"/>
-    <p:sldId id="258" r:id="rId10"/>
-    <p:sldId id="271" r:id="rId11"/>
+    <p:sldId id="273" r:id="rId7"/>
+    <p:sldId id="266" r:id="rId8"/>
+    <p:sldId id="272" r:id="rId9"/>
+    <p:sldId id="257" r:id="rId10"/>
+    <p:sldId id="258" r:id="rId11"/>
+    <p:sldId id="271" r:id="rId12"/>
   </p:sldIdLst>
   <p:sldSz cx="18288000" cy="13716000"/>
   <p:notesSz cx="6858000" cy="9144000"/>
@@ -202,7 +203,7 @@
             <a:fld id="{7D7EA4DE-C375-F94D-9E27-AF8F7A373BD0}" type="datetimeFigureOut">
               <a:rPr lang="en-US" smtClean="0"/>
               <a:pPr/>
-              <a:t>6/15/16</a:t>
+              <a:t>8/23/16</a:t>
             </a:fld>
             <a:endParaRPr lang="en-US"/>
           </a:p>
@@ -535,23 +536,35 @@
                 <a:latin typeface="Helvetica"/>
                 <a:cs typeface="Helvetica"/>
               </a:rPr>
-              <a:t> genome sequencing project</a:t>
+              <a:t> genome </a:t>
+            </a:r>
+            <a:r>
+              <a:rPr lang="en-US" sz="2400" baseline="0" dirty="0" smtClean="0">
+                <a:latin typeface="Helvetica"/>
+                <a:cs typeface="Helvetica"/>
+              </a:rPr>
+              <a:t>sequencing (WGS)</a:t>
             </a:r>
             <a:r>
               <a:rPr lang="en-US" sz="2400" dirty="0" smtClean="0">
                 <a:latin typeface="Helvetica"/>
                 <a:cs typeface="Helvetica"/>
               </a:rPr>
-              <a:t> participants. </a:t>
-            </a:r>
-          </a:p>
-          <a:p>
+              <a:t> cohort. </a:t>
+            </a:r>
             <a:r>
               <a:rPr lang="en-US" sz="2400" b="1" dirty="0" smtClean="0">
                 <a:latin typeface="Helvetica"/>
                 <a:cs typeface="Helvetica"/>
               </a:rPr>
-              <a:t>A. </a:t>
+              <a:t>A</a:t>
+            </a:r>
+            <a:r>
+              <a:rPr lang="en-US" sz="2400" b="1" dirty="0" smtClean="0">
+                <a:latin typeface="Helvetica"/>
+                <a:cs typeface="Helvetica"/>
+              </a:rPr>
+              <a:t>. </a:t>
             </a:r>
             <a:r>
               <a:rPr lang="en-US" sz="2400" dirty="0" smtClean="0">
@@ -593,8 +606,33 @@
                 <a:latin typeface="Helvetica"/>
                 <a:cs typeface="Helvetica"/>
               </a:rPr>
-              <a:t>Age distributions of individuals in each AD status (left). Sex composition in each AD status (middle). APOE allele-type composition in each AD status (right)</a:t>
-            </a:r>
+              <a:t>Age distributions of </a:t>
+            </a:r>
+            <a:r>
+              <a:rPr lang="en-US" sz="2400" baseline="0" dirty="0" smtClean="0">
+                <a:latin typeface="Helvetica"/>
+                <a:cs typeface="Helvetica"/>
+              </a:rPr>
+              <a:t>individuals in each AD </a:t>
+            </a:r>
+            <a:r>
+              <a:rPr lang="en-US" sz="2400" baseline="0" dirty="0" smtClean="0">
+                <a:latin typeface="Helvetica"/>
+                <a:cs typeface="Helvetica"/>
+              </a:rPr>
+              <a:t>status (left). Sex composition in each AD status (middle). APOE allele-type composition in each AD status (right</a:t>
+            </a:r>
+            <a:r>
+              <a:rPr lang="en-US" sz="2400" baseline="0" dirty="0" smtClean="0">
+                <a:latin typeface="Helvetica"/>
+                <a:cs typeface="Helvetica"/>
+              </a:rPr>
+              <a:t>)</a:t>
+            </a:r>
+            <a:endParaRPr lang="en-US" sz="2400" baseline="0" dirty="0" smtClean="0">
+              <a:latin typeface="Helvetica"/>
+              <a:cs typeface="Helvetica"/>
+            </a:endParaRPr>
           </a:p>
         </p:txBody>
       </p:sp>
@@ -617,6 +655,121 @@
               <a:rPr lang="en-US" smtClean="0"/>
               <a:pPr/>
               <a:t>1</a:t>
+            </a:fld>
+            <a:endParaRPr lang="en-US"/>
+          </a:p>
+        </p:txBody>
+      </p:sp>
+    </p:spTree>
+    <p:extLst>
+      <p:ext uri="{BB962C8B-B14F-4D97-AF65-F5344CB8AC3E}">
+        <p14:creationId xmlns:p14="http://schemas.microsoft.com/office/powerpoint/2010/main" val="1930382569"/>
+      </p:ext>
+    </p:extLst>
+  </p:cSld>
+  <p:clrMapOvr>
+    <a:masterClrMapping/>
+  </p:clrMapOvr>
+</p:notes>
+</file>
+
+<file path=ppt/notesSlides/notesSlide10.xml><?xml version="1.0" encoding="utf-8"?>
+<p:notes xmlns:a="http://schemas.openxmlformats.org/drawingml/2006/main" xmlns:r="http://schemas.openxmlformats.org/officeDocument/2006/relationships" xmlns:p="http://schemas.openxmlformats.org/presentationml/2006/main">
+  <p:cSld>
+    <p:spTree>
+      <p:nvGrpSpPr>
+        <p:cNvPr id="1" name=""/>
+        <p:cNvGrpSpPr/>
+        <p:nvPr/>
+      </p:nvGrpSpPr>
+      <p:grpSpPr>
+        <a:xfrm>
+          <a:off x="0" y="0"/>
+          <a:ext cx="0" cy="0"/>
+          <a:chOff x="0" y="0"/>
+          <a:chExt cx="0" cy="0"/>
+        </a:xfrm>
+      </p:grpSpPr>
+      <p:sp>
+        <p:nvSpPr>
+          <p:cNvPr id="2" name="Slide Image Placeholder 1"/>
+          <p:cNvSpPr>
+            <a:spLocks noGrp="1" noRot="1" noChangeAspect="1"/>
+          </p:cNvSpPr>
+          <p:nvPr>
+            <p:ph type="sldImg"/>
+          </p:nvPr>
+        </p:nvSpPr>
+        <p:spPr/>
+      </p:sp>
+      <p:sp>
+        <p:nvSpPr>
+          <p:cNvPr id="3" name="Notes Placeholder 2"/>
+          <p:cNvSpPr>
+            <a:spLocks noGrp="1"/>
+          </p:cNvSpPr>
+          <p:nvPr>
+            <p:ph type="body" idx="1"/>
+          </p:nvPr>
+        </p:nvSpPr>
+        <p:spPr/>
+        <p:txBody>
+          <a:bodyPr/>
+          <a:lstStyle/>
+          <a:p>
+            <a:r>
+              <a:rPr lang="en-US" b="1" dirty="0" smtClean="0"/>
+              <a:t>Figure 4. (a) </a:t>
+            </a:r>
+            <a:r>
+              <a:rPr lang="en-US" b="0" dirty="0" smtClean="0"/>
+              <a:t>GWAS on 10.3 genomic variants by Bayes-GLMM without kinship</a:t>
+            </a:r>
+            <a:r>
+              <a:rPr lang="en-US" b="0" baseline="0" dirty="0" smtClean="0"/>
+              <a:t> correction. Model parameters were estimated by MLE. Variants with p-values smaller than 0.0001, above the grey area, were chosen for the next scan.</a:t>
+            </a:r>
+            <a:r>
+              <a:rPr lang="en-US" b="1" dirty="0" smtClean="0"/>
+              <a:t> (b) </a:t>
+            </a:r>
+            <a:r>
+              <a:rPr lang="en-US" b="0" dirty="0" smtClean="0"/>
+              <a:t>GWAS</a:t>
+            </a:r>
+            <a:r>
+              <a:rPr lang="en-US" b="0" baseline="0" dirty="0" smtClean="0"/>
+              <a:t> on filtered variants. Model parameters were estimated by MCMC sampling. Dashed line was genome wide significance cutoff (5e-8).</a:t>
+            </a:r>
+            <a:endParaRPr lang="en-US" sz="2400" dirty="0" smtClean="0">
+              <a:latin typeface="Helvetica"/>
+              <a:cs typeface="Helvetica"/>
+            </a:endParaRPr>
+          </a:p>
+          <a:p>
+            <a:endParaRPr lang="en-US" dirty="0"/>
+          </a:p>
+        </p:txBody>
+      </p:sp>
+      <p:sp>
+        <p:nvSpPr>
+          <p:cNvPr id="4" name="Slide Number Placeholder 3"/>
+          <p:cNvSpPr>
+            <a:spLocks noGrp="1"/>
+          </p:cNvSpPr>
+          <p:nvPr>
+            <p:ph type="sldNum" sz="quarter" idx="10"/>
+          </p:nvPr>
+        </p:nvSpPr>
+        <p:spPr/>
+        <p:txBody>
+          <a:bodyPr/>
+          <a:lstStyle/>
+          <a:p>
+            <a:fld id="{E6DEE541-4DDD-D942-BFEC-9A209254C945}" type="slidenum">
+              <a:rPr lang="en-US" smtClean="0"/>
+              <a:pPr/>
+              <a:t>11</a:t>
             </a:fld>
             <a:endParaRPr lang="en-US"/>
           </a:p>
@@ -689,7 +842,7 @@
             </a:r>
             <a:r>
               <a:rPr lang="en-US" b="0" baseline="0" dirty="0" smtClean="0"/>
-              <a:t>MCMC</a:t>
+              <a:t>Bayes-GLMM estimation of model parameters by MCMC</a:t>
             </a:r>
             <a:r>
               <a:rPr lang="en-US" b="1" baseline="0" dirty="0" smtClean="0"/>
@@ -707,7 +860,70 @@
                 <a:latin typeface="Helvetica"/>
                 <a:cs typeface="Helvetica"/>
               </a:rPr>
-              <a:t> (a) cut points of the ordered categorical model. (b) Additive covariate: age, sex, APOE/e2 and APOE/e4.</a:t>
+              <a:t> </a:t>
+            </a:r>
+            <a:r>
+              <a:rPr lang="en-US" sz="2400" b="1" baseline="0" dirty="0" smtClean="0">
+                <a:latin typeface="Helvetica"/>
+                <a:cs typeface="Helvetica"/>
+              </a:rPr>
+              <a:t>(A) </a:t>
+            </a:r>
+            <a:r>
+              <a:rPr lang="en-US" sz="2400" b="0" baseline="0" dirty="0" smtClean="0">
+                <a:latin typeface="Helvetica"/>
+                <a:cs typeface="Helvetica"/>
+              </a:rPr>
+              <a:t>posterior distributions of </a:t>
+            </a:r>
+            <a:r>
+              <a:rPr lang="en-US" sz="2400" baseline="0" dirty="0" smtClean="0">
+                <a:latin typeface="Helvetica"/>
+                <a:cs typeface="Helvetica"/>
+              </a:rPr>
+              <a:t>the </a:t>
+            </a:r>
+            <a:r>
+              <a:rPr lang="en-US" sz="2400" baseline="0" dirty="0" smtClean="0">
+                <a:latin typeface="Helvetica"/>
+                <a:cs typeface="Helvetica"/>
+              </a:rPr>
+              <a:t>ordered categorical </a:t>
+            </a:r>
+            <a:r>
+              <a:rPr lang="en-US" sz="2400" baseline="0" dirty="0" smtClean="0">
+                <a:latin typeface="Helvetica"/>
+                <a:cs typeface="Helvetica"/>
+              </a:rPr>
+              <a:t>model’s cut points. </a:t>
+            </a:r>
+            <a:r>
+              <a:rPr lang="en-US" sz="2400" b="1" baseline="0" dirty="0" smtClean="0">
+                <a:latin typeface="Helvetica"/>
+                <a:cs typeface="Helvetica"/>
+              </a:rPr>
+              <a:t>(B) </a:t>
+            </a:r>
+            <a:r>
+              <a:rPr lang="en-US" sz="2400" b="0" baseline="0" dirty="0" smtClean="0">
+                <a:latin typeface="Helvetica"/>
+                <a:cs typeface="Helvetica"/>
+              </a:rPr>
+              <a:t>posterior distributions of the model </a:t>
+            </a:r>
+            <a:r>
+              <a:rPr lang="en-US" sz="2400" baseline="0" dirty="0" smtClean="0">
+                <a:latin typeface="Helvetica"/>
+                <a:cs typeface="Helvetica"/>
+              </a:rPr>
+              <a:t>covariate’s effect sizes: </a:t>
+            </a:r>
+            <a:r>
+              <a:rPr lang="en-US" sz="2400" baseline="0" dirty="0" smtClean="0">
+                <a:latin typeface="Helvetica"/>
+                <a:cs typeface="Helvetica"/>
+              </a:rPr>
+              <a:t>age, sex, APOE/e2 and APOE/e4.</a:t>
             </a:r>
           </a:p>
           <a:p>
@@ -798,7 +1014,11 @@
           <a:p>
             <a:r>
               <a:rPr lang="en-US" b="1" dirty="0" smtClean="0"/>
-              <a:t>Figure 3. </a:t>
+              <a:t>Figure </a:t>
+            </a:r>
+            <a:r>
+              <a:rPr lang="en-US" b="1" dirty="0" smtClean="0"/>
+              <a:t>3. </a:t>
             </a:r>
             <a:r>
               <a:rPr lang="en-US" b="0" dirty="0" smtClean="0"/>
@@ -806,7 +1026,31 @@
             </a:r>
             <a:r>
               <a:rPr lang="en-US" b="0" baseline="0" dirty="0" smtClean="0"/>
-              <a:t> trait was AD diagnosis of 570 participants. Age and sex was included as model covariates. 10.3 million genomic variants with MAF &gt; 0.01 were used for kinship computing and the pre-scan by GLM. 9726 variants with P-values smaller than 0.0001 from the pre-scan were used for the second scan with GLMM.</a:t>
+              <a:t> trait </a:t>
+            </a:r>
+            <a:r>
+              <a:rPr lang="en-US" b="0" baseline="0" dirty="0" smtClean="0"/>
+              <a:t>was the cohort’s </a:t>
+            </a:r>
+            <a:r>
+              <a:rPr lang="en-US" b="0" baseline="0" dirty="0" smtClean="0"/>
+              <a:t>AD </a:t>
+            </a:r>
+            <a:r>
+              <a:rPr lang="en-US" b="0" baseline="0" dirty="0" smtClean="0"/>
+              <a:t>diagnosis. </a:t>
+            </a:r>
+            <a:r>
+              <a:rPr lang="en-US" b="0" baseline="0" dirty="0" smtClean="0"/>
+              <a:t>Age and sex was included as model covariates. 10.3 million genomic variants with MAF &gt; 0.01 were used for kinship </a:t>
+            </a:r>
+            <a:r>
+              <a:rPr lang="en-US" b="0" baseline="0" dirty="0" smtClean="0"/>
+              <a:t>computing. </a:t>
+            </a:r>
+            <a:r>
+              <a:rPr lang="en-US" b="0" baseline="0" dirty="0" smtClean="0"/>
+              <a:t>9726 variants with P-values smaller than 0.0001 from the pre-scan were used for the second scan with GLMM.</a:t>
             </a:r>
             <a:endParaRPr lang="en-US" sz="2400" dirty="0" smtClean="0">
               <a:latin typeface="Helvetica"/>
@@ -901,19 +1145,51 @@
           <a:p>
             <a:r>
               <a:rPr lang="en-US" b="1" dirty="0" smtClean="0"/>
-              <a:t>Figure 4. (a) </a:t>
+              <a:t>Figure 4</a:t>
+            </a:r>
+            <a:r>
+              <a:rPr lang="en-US" b="1" dirty="0" smtClean="0"/>
+              <a:t>. </a:t>
             </a:r>
             <a:r>
               <a:rPr lang="en-US" b="0" dirty="0" smtClean="0"/>
-              <a:t>GWAS on 10.3 genomic variants by Bayes-GLMM without kinship</a:t>
+              <a:t>GWAS of ADSP WGS cohort by Bayes-GLMM. </a:t>
+            </a:r>
+            <a:r>
+              <a:rPr lang="en-US" b="1" dirty="0" smtClean="0"/>
+              <a:t>(A) </a:t>
+            </a:r>
+            <a:r>
+              <a:rPr lang="en-US" b="0" dirty="0" smtClean="0"/>
+              <a:t>GWAS </a:t>
+            </a:r>
+            <a:r>
+              <a:rPr lang="en-US" b="0" dirty="0" smtClean="0"/>
+              <a:t>of </a:t>
+            </a:r>
+            <a:r>
+              <a:rPr lang="en-US" b="0" dirty="0" smtClean="0"/>
+              <a:t>10.3 genomic variants by Bayes-GLMM without kinship</a:t>
             </a:r>
             <a:r>
               <a:rPr lang="en-US" b="0" baseline="0" dirty="0" smtClean="0"/>
-              <a:t> correction. Model parameters were estimated by MLE. Variants with p-values smaller than 0.0001, above the grey area, were chosen for the next scan.</a:t>
+              <a:t> correction. Model parameters were estimated by MLE. Variants with p-values smaller than 0.0001, above the </a:t>
+            </a:r>
+            <a:r>
+              <a:rPr lang="en-US" b="0" baseline="0" dirty="0" smtClean="0"/>
+              <a:t>dash line, </a:t>
+            </a:r>
+            <a:r>
+              <a:rPr lang="en-US" b="0" baseline="0" dirty="0" smtClean="0"/>
+              <a:t>were chosen for the next </a:t>
+            </a:r>
+            <a:r>
+              <a:rPr lang="en-US" b="0" baseline="0" dirty="0" smtClean="0"/>
+              <a:t>scan (N = 9726).</a:t>
             </a:r>
             <a:r>
               <a:rPr lang="en-US" b="1" dirty="0" smtClean="0"/>
-              <a:t> (b) </a:t>
+              <a:t> (B) </a:t>
             </a:r>
             <a:r>
               <a:rPr lang="en-US" b="0" dirty="0" smtClean="0"/>
@@ -921,7 +1197,31 @@
             </a:r>
             <a:r>
               <a:rPr lang="en-US" b="0" baseline="0" dirty="0" smtClean="0"/>
-              <a:t> on filtered variants. Model parameters were estimated by MCMC sampling. Dashed line was genome wide significance cutoff (5e-8).</a:t>
+              <a:t> on filtered </a:t>
+            </a:r>
+            <a:r>
+              <a:rPr lang="en-US" b="0" baseline="0" dirty="0" smtClean="0"/>
+              <a:t>variants by GLMM with kinship correction. </a:t>
+            </a:r>
+            <a:r>
+              <a:rPr lang="en-US" b="0" baseline="0" dirty="0" smtClean="0"/>
+              <a:t>Model parameters were estimated by MCMC sampling. Dashed line was </a:t>
+            </a:r>
+            <a:r>
+              <a:rPr lang="en-US" b="0" baseline="0" dirty="0" smtClean="0"/>
+              <a:t>the cutoff of genome </a:t>
+            </a:r>
+            <a:r>
+              <a:rPr lang="en-US" b="0" baseline="0" dirty="0" smtClean="0"/>
+              <a:t>wide </a:t>
+            </a:r>
+            <a:r>
+              <a:rPr lang="en-US" b="0" baseline="0" dirty="0" smtClean="0"/>
+              <a:t>significance </a:t>
+            </a:r>
+            <a:r>
+              <a:rPr lang="en-US" b="0" baseline="0" dirty="0" smtClean="0"/>
+              <a:t>(5e-8).</a:t>
             </a:r>
             <a:endParaRPr lang="en-US" sz="2400" dirty="0" smtClean="0">
               <a:latin typeface="Helvetica"/>
@@ -1141,21 +1441,10 @@
           <a:bodyPr/>
           <a:lstStyle/>
           <a:p>
-            <a:r>
-              <a:rPr lang="en-US" b="1" dirty="0" smtClean="0"/>
-              <a:t>Figure 6. </a:t>
-            </a:r>
-            <a:r>
-              <a:rPr lang="en-US" b="0" dirty="0" smtClean="0"/>
-              <a:t>Effects of priors.</a:t>
-            </a:r>
-            <a:endParaRPr lang="en-US" sz="2400" dirty="0" smtClean="0">
+            <a:endParaRPr lang="en-US" sz="2400" i="1" dirty="0" smtClean="0">
               <a:latin typeface="Helvetica"/>
               <a:cs typeface="Helvetica"/>
             </a:endParaRPr>
-          </a:p>
-          <a:p>
-            <a:endParaRPr lang="en-US" dirty="0"/>
           </a:p>
         </p:txBody>
       </p:sp>
@@ -1242,27 +1531,59 @@
           <a:p>
             <a:r>
               <a:rPr lang="en-US" b="1" dirty="0" smtClean="0"/>
-              <a:t>Supplementary Figure 1. </a:t>
+              <a:t>Figure 6. </a:t>
             </a:r>
             <a:r>
               <a:rPr lang="en-US" b="0" dirty="0" smtClean="0"/>
-              <a:t>No</a:t>
+              <a:t>Effects of </a:t>
+            </a:r>
+            <a:r>
+              <a:rPr lang="en-US" b="0" dirty="0" smtClean="0"/>
+              <a:t>priors</a:t>
             </a:r>
             <a:r>
               <a:rPr lang="en-US" b="0" baseline="0" dirty="0" smtClean="0"/>
-              <a:t> interaction was detected between each pair of the c</a:t>
-            </a:r>
-            <a:r>
-              <a:rPr lang="en-US" b="0" dirty="0" smtClean="0"/>
-              <a:t>ovariates (age, sex, APOE/e2,</a:t>
+              <a:t> on the </a:t>
+            </a:r>
+            <a:r>
+              <a:rPr lang="en-US" b="1" baseline="0" dirty="0" smtClean="0"/>
+              <a:t>(A) </a:t>
             </a:r>
             <a:r>
               <a:rPr lang="en-US" b="0" baseline="0" dirty="0" smtClean="0"/>
-              <a:t> APOE/e4).</a:t>
-            </a:r>
-          </a:p>
-          <a:p>
-            <a:endParaRPr lang="en-US" b="0" baseline="0" dirty="0" smtClean="0"/>
+              <a:t>posterior effect size, </a:t>
+            </a:r>
+            <a:r>
+              <a:rPr lang="en-US" b="1" baseline="0" dirty="0" smtClean="0"/>
+              <a:t>(B) </a:t>
+            </a:r>
+            <a:r>
+              <a:rPr lang="en-US" b="0" baseline="0" dirty="0" smtClean="0"/>
+              <a:t>posterior standardized error of the effect size; </a:t>
+            </a:r>
+            <a:r>
+              <a:rPr lang="en-US" b="1" baseline="0" dirty="0" smtClean="0"/>
+              <a:t>(C) </a:t>
+            </a:r>
+            <a:r>
+              <a:rPr lang="en-US" b="0" baseline="0" dirty="0" smtClean="0"/>
+              <a:t>posterior standardized effect size; and </a:t>
+            </a:r>
+            <a:r>
+              <a:rPr lang="en-US" b="1" baseline="0" dirty="0" smtClean="0"/>
+              <a:t>(D)</a:t>
+            </a:r>
+            <a:r>
+              <a:rPr lang="en-US" b="0" baseline="0" dirty="0" smtClean="0"/>
+              <a:t> posterior p-values. X-axis was prior standardized effect size. Grey horizontal line in each graph was the respective posterior estimation when the prior standardized effect size equals 0. The two vertical dashed line defined a range of prior standardized effect size that increased the posterior P-value as compared to a flat prior.</a:t>
+            </a:r>
+            <a:endParaRPr lang="en-US" sz="2400" dirty="0" smtClean="0">
+              <a:latin typeface="Helvetica"/>
+              <a:cs typeface="Helvetica"/>
+            </a:endParaRPr>
+          </a:p>
+          <a:p>
+            <a:endParaRPr lang="en-US" dirty="0"/>
           </a:p>
         </p:txBody>
       </p:sp>
@@ -1284,7 +1605,7 @@
             <a:fld id="{E6DEE541-4DDD-D942-BFEC-9A209254C945}" type="slidenum">
               <a:rPr lang="en-US" smtClean="0"/>
               <a:pPr/>
-              <a:t>8</a:t>
+              <a:t>7</a:t>
             </a:fld>
             <a:endParaRPr lang="en-US"/>
           </a:p>
@@ -1293,7 +1614,7 @@
     </p:spTree>
     <p:extLst>
       <p:ext uri="{BB962C8B-B14F-4D97-AF65-F5344CB8AC3E}">
-        <p14:creationId xmlns:p14="http://schemas.microsoft.com/office/powerpoint/2010/main" val="2667828068"/>
+        <p14:creationId xmlns:p14="http://schemas.microsoft.com/office/powerpoint/2010/main" val="1930382569"/>
       </p:ext>
     </p:extLst>
   </p:cSld>
@@ -1330,12 +1651,7 @@
             <p:ph type="sldImg"/>
           </p:nvPr>
         </p:nvSpPr>
-        <p:spPr>
-          <a:xfrm>
-            <a:off x="1143000" y="685800"/>
-            <a:ext cx="4572000" cy="3429000"/>
-          </a:xfrm>
-        </p:spPr>
+        <p:spPr/>
       </p:sp>
       <p:sp>
         <p:nvSpPr>
@@ -1354,30 +1670,27 @@
           <a:p>
             <a:r>
               <a:rPr lang="en-US" b="1" dirty="0" smtClean="0"/>
-              <a:t>Supplementary Figure 2. </a:t>
-            </a:r>
-            <a:r>
-              <a:rPr lang="en-US" b="1" baseline="0" dirty="0" smtClean="0"/>
-              <a:t> </a:t>
-            </a:r>
-            <a:r>
-              <a:rPr lang="en-US" sz="1200" dirty="0" smtClean="0">
-                <a:latin typeface="Helvetica"/>
-                <a:cs typeface="Helvetica"/>
-              </a:rPr>
-              <a:t>Summary statistics of the ADSP</a:t>
-            </a:r>
-            <a:r>
-              <a:rPr lang="en-US" sz="1200" baseline="0" dirty="0" smtClean="0">
-                <a:latin typeface="Helvetica"/>
-                <a:cs typeface="Helvetica"/>
-              </a:rPr>
-              <a:t> variants. </a:t>
-            </a:r>
-            <a:endParaRPr lang="en-US" sz="1200" dirty="0" smtClean="0">
-              <a:latin typeface="Helvetica"/>
-              <a:cs typeface="Helvetica"/>
-            </a:endParaRPr>
+              <a:t>Supplementary Figure 1. </a:t>
+            </a:r>
+            <a:r>
+              <a:rPr lang="en-US" b="0" dirty="0" smtClean="0"/>
+              <a:t>No</a:t>
+            </a:r>
+            <a:r>
+              <a:rPr lang="en-US" b="0" baseline="0" dirty="0" smtClean="0"/>
+              <a:t> interaction was detected between each pair of the c</a:t>
+            </a:r>
+            <a:r>
+              <a:rPr lang="en-US" b="0" dirty="0" smtClean="0"/>
+              <a:t>ovariates (age, sex, APOE/e2,</a:t>
+            </a:r>
+            <a:r>
+              <a:rPr lang="en-US" b="0" baseline="0" dirty="0" smtClean="0"/>
+              <a:t> APOE/e4).</a:t>
+            </a:r>
+          </a:p>
+          <a:p>
+            <a:endParaRPr lang="en-US" b="0" baseline="0" dirty="0" smtClean="0"/>
           </a:p>
         </p:txBody>
       </p:sp>
@@ -1396,7 +1709,7 @@
           <a:bodyPr/>
           <a:lstStyle/>
           <a:p>
-            <a:fld id="{45C27486-62B5-1D4B-97C2-43F6778CC19B}" type="slidenum">
+            <a:fld id="{E6DEE541-4DDD-D942-BFEC-9A209254C945}" type="slidenum">
               <a:rPr lang="en-US" smtClean="0"/>
               <a:pPr/>
               <a:t>9</a:t>
@@ -1408,7 +1721,7 @@
     </p:spTree>
     <p:extLst>
       <p:ext uri="{BB962C8B-B14F-4D97-AF65-F5344CB8AC3E}">
-        <p14:creationId xmlns:p14="http://schemas.microsoft.com/office/powerpoint/2010/main" val="24574249"/>
+        <p14:creationId xmlns:p14="http://schemas.microsoft.com/office/powerpoint/2010/main" val="2667828068"/>
       </p:ext>
     </p:extLst>
   </p:cSld>
@@ -1445,7 +1758,12 @@
             <p:ph type="sldImg"/>
           </p:nvPr>
         </p:nvSpPr>
-        <p:spPr/>
+        <p:spPr>
+          <a:xfrm>
+            <a:off x="1143000" y="685800"/>
+            <a:ext cx="4572000" cy="3429000"/>
+          </a:xfrm>
+        </p:spPr>
       </p:sp>
       <p:sp>
         <p:nvSpPr>
@@ -1464,35 +1782,44 @@
           <a:p>
             <a:r>
               <a:rPr lang="en-US" b="1" dirty="0" smtClean="0"/>
-              <a:t>Figure 4. (a) </a:t>
-            </a:r>
-            <a:r>
-              <a:rPr lang="en-US" b="0" dirty="0" smtClean="0"/>
-              <a:t>GWAS on 10.3 genomic variants by Bayes-GLMM without kinship</a:t>
-            </a:r>
-            <a:r>
-              <a:rPr lang="en-US" b="0" baseline="0" dirty="0" smtClean="0"/>
-              <a:t> correction. Model parameters were estimated by MLE. Variants with p-values smaller than 0.0001, above the grey area, were chosen for the next scan.</a:t>
-            </a:r>
-            <a:r>
-              <a:rPr lang="en-US" b="1" dirty="0" smtClean="0"/>
-              <a:t> (b) </a:t>
-            </a:r>
-            <a:r>
-              <a:rPr lang="en-US" b="0" dirty="0" smtClean="0"/>
-              <a:t>GWAS</a:t>
-            </a:r>
-            <a:r>
-              <a:rPr lang="en-US" b="0" baseline="0" dirty="0" smtClean="0"/>
-              <a:t> on filtered variants. Model parameters were estimated by MCMC sampling. Dashed line was genome wide significance cutoff (5e-8).</a:t>
-            </a:r>
-            <a:endParaRPr lang="en-US" sz="2400" dirty="0" smtClean="0">
+              <a:t>Supplementary Figure 2. </a:t>
+            </a:r>
+            <a:r>
+              <a:rPr lang="en-US" b="1" baseline="0" dirty="0" smtClean="0"/>
+              <a:t> </a:t>
+            </a:r>
+            <a:r>
+              <a:rPr lang="en-US" sz="1200" dirty="0" smtClean="0">
+                <a:latin typeface="Helvetica"/>
+                <a:cs typeface="Helvetica"/>
+              </a:rPr>
+              <a:t>Genome-wide</a:t>
+            </a:r>
+            <a:r>
+              <a:rPr lang="en-US" sz="1200" baseline="0" dirty="0" smtClean="0">
+                <a:latin typeface="Helvetica"/>
+                <a:cs typeface="Helvetica"/>
+              </a:rPr>
+              <a:t> variants in </a:t>
+            </a:r>
+            <a:r>
+              <a:rPr lang="en-US" sz="1200" dirty="0" smtClean="0">
+                <a:latin typeface="Helvetica"/>
+                <a:cs typeface="Helvetica"/>
+              </a:rPr>
+              <a:t>ADSP</a:t>
+            </a:r>
+            <a:r>
+              <a:rPr lang="en-US" sz="1200" baseline="0" dirty="0" smtClean="0">
+                <a:latin typeface="Helvetica"/>
+                <a:cs typeface="Helvetica"/>
+              </a:rPr>
+              <a:t> WGS cohort stratified by chromosomes. Per chromosome, the red bar represents number of total variants, blue bar represents number of variants that passed the quality check, green bar represents variants that pass the quality check and show MAF larger than 1%. </a:t>
+            </a:r>
+            <a:endParaRPr lang="en-US" sz="1200" dirty="0" smtClean="0">
               <a:latin typeface="Helvetica"/>
               <a:cs typeface="Helvetica"/>
             </a:endParaRPr>
-          </a:p>
-          <a:p>
-            <a:endParaRPr lang="en-US" dirty="0"/>
           </a:p>
         </p:txBody>
       </p:sp>
@@ -1511,7 +1838,7 @@
           <a:bodyPr/>
           <a:lstStyle/>
           <a:p>
-            <a:fld id="{E6DEE541-4DDD-D942-BFEC-9A209254C945}" type="slidenum">
+            <a:fld id="{45C27486-62B5-1D4B-97C2-43F6778CC19B}" type="slidenum">
               <a:rPr lang="en-US" smtClean="0"/>
               <a:pPr/>
               <a:t>10</a:t>
@@ -1523,7 +1850,7 @@
     </p:spTree>
     <p:extLst>
       <p:ext uri="{BB962C8B-B14F-4D97-AF65-F5344CB8AC3E}">
-        <p14:creationId xmlns:p14="http://schemas.microsoft.com/office/powerpoint/2010/main" val="1930382569"/>
+        <p14:creationId xmlns:p14="http://schemas.microsoft.com/office/powerpoint/2010/main" val="24574249"/>
       </p:ext>
     </p:extLst>
   </p:cSld>
@@ -1715,7 +2042,7 @@
             <a:fld id="{3A81040D-B32E-0140-809E-C0AC2EF1846B}" type="datetimeFigureOut">
               <a:rPr lang="en-US" smtClean="0"/>
               <a:pPr/>
-              <a:t>6/15/16</a:t>
+              <a:t>8/23/16</a:t>
             </a:fld>
             <a:endParaRPr lang="en-US"/>
           </a:p>
@@ -1887,7 +2214,7 @@
             <a:fld id="{3A81040D-B32E-0140-809E-C0AC2EF1846B}" type="datetimeFigureOut">
               <a:rPr lang="en-US" smtClean="0"/>
               <a:pPr/>
-              <a:t>6/15/16</a:t>
+              <a:t>8/23/16</a:t>
             </a:fld>
             <a:endParaRPr lang="en-US"/>
           </a:p>
@@ -2069,7 +2396,7 @@
             <a:fld id="{3A81040D-B32E-0140-809E-C0AC2EF1846B}" type="datetimeFigureOut">
               <a:rPr lang="en-US" smtClean="0"/>
               <a:pPr/>
-              <a:t>6/15/16</a:t>
+              <a:t>8/23/16</a:t>
             </a:fld>
             <a:endParaRPr lang="en-US"/>
           </a:p>
@@ -2241,7 +2568,7 @@
             <a:fld id="{3A81040D-B32E-0140-809E-C0AC2EF1846B}" type="datetimeFigureOut">
               <a:rPr lang="en-US" smtClean="0"/>
               <a:pPr/>
-              <a:t>6/15/16</a:t>
+              <a:t>8/23/16</a:t>
             </a:fld>
             <a:endParaRPr lang="en-US"/>
           </a:p>
@@ -2489,7 +2816,7 @@
             <a:fld id="{3A81040D-B32E-0140-809E-C0AC2EF1846B}" type="datetimeFigureOut">
               <a:rPr lang="en-US" smtClean="0"/>
               <a:pPr/>
-              <a:t>6/15/16</a:t>
+              <a:t>8/23/16</a:t>
             </a:fld>
             <a:endParaRPr lang="en-US"/>
           </a:p>
@@ -2779,7 +3106,7 @@
             <a:fld id="{3A81040D-B32E-0140-809E-C0AC2EF1846B}" type="datetimeFigureOut">
               <a:rPr lang="en-US" smtClean="0"/>
               <a:pPr/>
-              <a:t>6/15/16</a:t>
+              <a:t>8/23/16</a:t>
             </a:fld>
             <a:endParaRPr lang="en-US"/>
           </a:p>
@@ -3203,7 +3530,7 @@
             <a:fld id="{3A81040D-B32E-0140-809E-C0AC2EF1846B}" type="datetimeFigureOut">
               <a:rPr lang="en-US" smtClean="0"/>
               <a:pPr/>
-              <a:t>6/15/16</a:t>
+              <a:t>8/23/16</a:t>
             </a:fld>
             <a:endParaRPr lang="en-US"/>
           </a:p>
@@ -3323,7 +3650,7 @@
             <a:fld id="{3A81040D-B32E-0140-809E-C0AC2EF1846B}" type="datetimeFigureOut">
               <a:rPr lang="en-US" smtClean="0"/>
               <a:pPr/>
-              <a:t>6/15/16</a:t>
+              <a:t>8/23/16</a:t>
             </a:fld>
             <a:endParaRPr lang="en-US"/>
           </a:p>
@@ -3420,7 +3747,7 @@
             <a:fld id="{3A81040D-B32E-0140-809E-C0AC2EF1846B}" type="datetimeFigureOut">
               <a:rPr lang="en-US" smtClean="0"/>
               <a:pPr/>
-              <a:t>6/15/16</a:t>
+              <a:t>8/23/16</a:t>
             </a:fld>
             <a:endParaRPr lang="en-US"/>
           </a:p>
@@ -3699,7 +4026,7 @@
             <a:fld id="{3A81040D-B32E-0140-809E-C0AC2EF1846B}" type="datetimeFigureOut">
               <a:rPr lang="en-US" smtClean="0"/>
               <a:pPr/>
-              <a:t>6/15/16</a:t>
+              <a:t>8/23/16</a:t>
             </a:fld>
             <a:endParaRPr lang="en-US"/>
           </a:p>
@@ -3954,7 +4281,7 @@
             <a:fld id="{3A81040D-B32E-0140-809E-C0AC2EF1846B}" type="datetimeFigureOut">
               <a:rPr lang="en-US" smtClean="0"/>
               <a:pPr/>
-              <a:t>6/15/16</a:t>
+              <a:t>8/23/16</a:t>
             </a:fld>
             <a:endParaRPr lang="en-US"/>
           </a:p>
@@ -4169,7 +4496,7 @@
             <a:fld id="{3A81040D-B32E-0140-809E-C0AC2EF1846B}" type="datetimeFigureOut">
               <a:rPr lang="en-US" smtClean="0"/>
               <a:pPr/>
-              <a:t>6/15/16</a:t>
+              <a:t>8/23/16</a:t>
             </a:fld>
             <a:endParaRPr lang="en-US"/>
           </a:p>
@@ -4553,7 +4880,7 @@
         </p:nvSpPr>
         <p:spPr>
           <a:xfrm>
-            <a:off x="1473921" y="2034451"/>
+            <a:off x="1727921" y="2034451"/>
             <a:ext cx="638636" cy="615553"/>
           </a:xfrm>
           <a:prstGeom prst="rect">
@@ -4585,7 +4912,7 @@
         </p:nvSpPr>
         <p:spPr>
           <a:xfrm>
-            <a:off x="8921154" y="2046763"/>
+            <a:off x="9175154" y="2046763"/>
             <a:ext cx="628643" cy="615553"/>
           </a:xfrm>
           <a:prstGeom prst="rect">
@@ -4618,7 +4945,7 @@
         <p:spPr>
           <a:xfrm>
             <a:off x="1115515" y="299477"/>
-            <a:ext cx="5269456" cy="677108"/>
+            <a:ext cx="10927310" cy="677108"/>
           </a:xfrm>
           <a:prstGeom prst="rect">
             <a:avLst/>
@@ -4643,7 +4970,14 @@
                 <a:latin typeface="Helvetica"/>
                 <a:cs typeface="Helvetica"/>
               </a:rPr>
-              <a:t>1: ADSP summary</a:t>
+              <a:t>1: </a:t>
+            </a:r>
+            <a:r>
+              <a:rPr lang="en-US" sz="3200" b="1" dirty="0" smtClean="0">
+                <a:latin typeface="Helvetica"/>
+                <a:cs typeface="Helvetica"/>
+              </a:rPr>
+              <a:t>Summary statistics of the ADSP WGS cohort</a:t>
             </a:r>
             <a:endParaRPr lang="en-US" sz="3200" b="1" dirty="0">
               <a:latin typeface="Helvetica"/>
@@ -4674,8 +5008,8 @@
         </p:blipFill>
         <p:spPr>
           <a:xfrm>
-            <a:off x="2483786" y="1785142"/>
-            <a:ext cx="6166675" cy="6166675"/>
+            <a:off x="2737785" y="1699810"/>
+            <a:ext cx="6400800" cy="6400800"/>
           </a:xfrm>
           <a:prstGeom prst="rect">
             <a:avLst/>
@@ -4704,7 +5038,7 @@
         </p:blipFill>
         <p:spPr>
           <a:xfrm>
-            <a:off x="8110690" y="1437591"/>
+            <a:off x="8364690" y="1437591"/>
             <a:ext cx="6673402" cy="6673402"/>
           </a:xfrm>
           <a:prstGeom prst="rect">
@@ -4720,7 +5054,7 @@
         </p:nvGrpSpPr>
         <p:grpSpPr>
           <a:xfrm>
-            <a:off x="1386148" y="6609960"/>
+            <a:off x="1640148" y="6609960"/>
             <a:ext cx="13951565" cy="4194809"/>
             <a:chOff x="1053994" y="6414576"/>
             <a:chExt cx="13951565" cy="4194809"/>
@@ -5003,7 +5337,7 @@
         </p:nvSpPr>
         <p:spPr>
           <a:xfrm>
-            <a:off x="9931400" y="2902890"/>
+            <a:off x="10185400" y="2902890"/>
             <a:ext cx="1595878" cy="430887"/>
           </a:xfrm>
           <a:prstGeom prst="rect">
@@ -5043,7 +5377,7 @@
         </p:nvSpPr>
         <p:spPr>
           <a:xfrm>
-            <a:off x="9600597" y="5625527"/>
+            <a:off x="9854597" y="5625527"/>
             <a:ext cx="1382169" cy="430887"/>
           </a:xfrm>
           <a:prstGeom prst="rect">
@@ -5075,7 +5409,7 @@
         </p:nvSpPr>
         <p:spPr>
           <a:xfrm>
-            <a:off x="12378756" y="5765137"/>
+            <a:off x="12632756" y="5765137"/>
             <a:ext cx="1582778" cy="430887"/>
           </a:xfrm>
           <a:prstGeom prst="rect">
@@ -5115,7 +5449,7 @@
         </p:nvSpPr>
         <p:spPr>
           <a:xfrm>
-            <a:off x="9167325" y="4900210"/>
+            <a:off x="9421325" y="4900210"/>
             <a:ext cx="1320619" cy="430887"/>
           </a:xfrm>
           <a:prstGeom prst="rect">
@@ -5155,7 +5489,7 @@
         </p:nvSpPr>
         <p:spPr>
           <a:xfrm>
-            <a:off x="14684586" y="7780605"/>
+            <a:off x="14938586" y="7780605"/>
             <a:ext cx="898314" cy="430887"/>
           </a:xfrm>
           <a:prstGeom prst="rect">
@@ -5195,7 +5529,7 @@
         </p:nvSpPr>
         <p:spPr>
           <a:xfrm>
-            <a:off x="14709286" y="8595297"/>
+            <a:off x="14963286" y="8595297"/>
             <a:ext cx="848915" cy="430887"/>
           </a:xfrm>
           <a:prstGeom prst="rect">
@@ -5238,7 +5572,7 @@
         </p:nvSpPr>
         <p:spPr>
           <a:xfrm>
-            <a:off x="14709286" y="9002643"/>
+            <a:off x="14963286" y="9002643"/>
             <a:ext cx="848915" cy="430887"/>
           </a:xfrm>
           <a:prstGeom prst="rect">
@@ -5270,7 +5604,7 @@
         </p:nvSpPr>
         <p:spPr>
           <a:xfrm>
-            <a:off x="14709286" y="9409988"/>
+            <a:off x="14963286" y="9409988"/>
             <a:ext cx="848915" cy="430887"/>
           </a:xfrm>
           <a:prstGeom prst="rect">
@@ -5310,7 +5644,7 @@
         </p:nvSpPr>
         <p:spPr>
           <a:xfrm>
-            <a:off x="14715406" y="8187951"/>
+            <a:off x="14969406" y="8187951"/>
             <a:ext cx="836675" cy="430887"/>
           </a:xfrm>
           <a:prstGeom prst="rect">
@@ -5350,7 +5684,7 @@
         </p:nvSpPr>
         <p:spPr>
           <a:xfrm>
-            <a:off x="9296400" y="5312693"/>
+            <a:off x="9550400" y="5312693"/>
             <a:ext cx="1397003" cy="430887"/>
           </a:xfrm>
           <a:prstGeom prst="rect">
@@ -5422,6 +5756,116 @@
 </file>
 
 <file path=ppt/slides/slide10.xml><?xml version="1.0" encoding="utf-8"?>
+<p:sld xmlns:a="http://schemas.openxmlformats.org/drawingml/2006/main" xmlns:r="http://schemas.openxmlformats.org/officeDocument/2006/relationships" xmlns:p="http://schemas.openxmlformats.org/presentationml/2006/main">
+  <p:cSld>
+    <p:spTree>
+      <p:nvGrpSpPr>
+        <p:cNvPr id="1" name=""/>
+        <p:cNvGrpSpPr/>
+        <p:nvPr/>
+      </p:nvGrpSpPr>
+      <p:grpSpPr>
+        <a:xfrm>
+          <a:off x="0" y="0"/>
+          <a:ext cx="0" cy="0"/>
+          <a:chOff x="0" y="0"/>
+          <a:chExt cx="0" cy="0"/>
+        </a:xfrm>
+      </p:grpSpPr>
+      <p:sp>
+        <p:nvSpPr>
+          <p:cNvPr id="8" name="TextBox 7"/>
+          <p:cNvSpPr txBox="1"/>
+          <p:nvPr/>
+        </p:nvSpPr>
+        <p:spPr>
+          <a:xfrm>
+            <a:off x="1027229" y="763186"/>
+            <a:ext cx="5044089" cy="677108"/>
+          </a:xfrm>
+          <a:prstGeom prst="rect">
+            <a:avLst/>
+          </a:prstGeom>
+          <a:noFill/>
+        </p:spPr>
+        <p:txBody>
+          <a:bodyPr wrap="none" lIns="182880" tIns="91440" rIns="182880" bIns="91440" rtlCol="0">
+            <a:spAutoFit/>
+          </a:bodyPr>
+          <a:lstStyle/>
+          <a:p>
+            <a:r>
+              <a:rPr lang="en-US" sz="3200" b="1" dirty="0">
+                <a:latin typeface="Helvetica"/>
+                <a:cs typeface="Helvetica"/>
+              </a:rPr>
+              <a:t>Supplementary Figure </a:t>
+            </a:r>
+            <a:r>
+              <a:rPr lang="en-US" sz="3200" b="1" dirty="0" smtClean="0">
+                <a:latin typeface="Helvetica"/>
+                <a:cs typeface="Helvetica"/>
+              </a:rPr>
+              <a:t>2</a:t>
+            </a:r>
+            <a:endParaRPr lang="en-US" sz="3200" b="1" dirty="0">
+              <a:latin typeface="Helvetica"/>
+              <a:cs typeface="Helvetica"/>
+            </a:endParaRPr>
+          </a:p>
+        </p:txBody>
+      </p:sp>
+      <p:pic>
+        <p:nvPicPr>
+          <p:cNvPr id="11" name="Picture 10" descr="log.pdf"/>
+          <p:cNvPicPr>
+            <a:picLocks noChangeAspect="1"/>
+          </p:cNvPicPr>
+          <p:nvPr/>
+        </p:nvPicPr>
+        <p:blipFill>
+          <a:blip r:embed="rId3">
+            <a:extLst>
+              <a:ext uri="{28A0092B-C50C-407E-A947-70E740481C1C}">
+                <a14:useLocalDpi xmlns:a14="http://schemas.microsoft.com/office/drawing/2010/main" val="0"/>
+              </a:ext>
+            </a:extLst>
+          </a:blip>
+          <a:stretch>
+            <a:fillRect/>
+          </a:stretch>
+        </p:blipFill>
+        <p:spPr>
+          <a:xfrm>
+            <a:off x="2205893" y="3068039"/>
+            <a:ext cx="12049949" cy="6694416"/>
+          </a:xfrm>
+          <a:prstGeom prst="rect">
+            <a:avLst/>
+          </a:prstGeom>
+        </p:spPr>
+      </p:pic>
+    </p:spTree>
+    <p:extLst>
+      <p:ext uri="{BB962C8B-B14F-4D97-AF65-F5344CB8AC3E}">
+        <p14:creationId xmlns:p14="http://schemas.microsoft.com/office/powerpoint/2010/main" val="2696101417"/>
+      </p:ext>
+    </p:extLst>
+  </p:cSld>
+  <p:clrMapOvr>
+    <a:masterClrMapping/>
+  </p:clrMapOvr>
+  <p:timing>
+    <p:tnLst>
+      <p:par>
+        <p:cTn xmlns:p14="http://schemas.microsoft.com/office/powerpoint/2010/main" id="1" dur="indefinite" restart="never" nodeType="tmRoot"/>
+      </p:par>
+    </p:tnLst>
+  </p:timing>
+</p:sld>
+</file>
+
+<file path=ppt/slides/slide11.xml><?xml version="1.0" encoding="utf-8"?>
 <p:sld xmlns:a="http://schemas.openxmlformats.org/drawingml/2006/main" xmlns:r="http://schemas.openxmlformats.org/officeDocument/2006/relationships" xmlns:p="http://schemas.openxmlformats.org/presentationml/2006/main">
   <p:cSld>
     <p:spTree>
@@ -6427,7 +6871,7 @@
         <p:spPr>
           <a:xfrm>
             <a:off x="1076442" y="961054"/>
-            <a:ext cx="9627676" cy="677108"/>
+            <a:ext cx="11269151" cy="677108"/>
           </a:xfrm>
           <a:prstGeom prst="rect">
             <a:avLst/>
@@ -6452,14 +6896,14 @@
                 <a:latin typeface="Helvetica"/>
                 <a:cs typeface="Helvetica"/>
               </a:rPr>
-              <a:t>2: </a:t>
+              <a:t>2: Bayes-GLMM estimation of </a:t>
             </a:r>
             <a:r>
               <a:rPr lang="en-US" sz="3200" b="1" dirty="0" smtClean="0">
                 <a:latin typeface="Helvetica"/>
                 <a:cs typeface="Helvetica"/>
               </a:rPr>
-              <a:t>Bayes-GLMM estimation of covariates</a:t>
+              <a:t>model parameters</a:t>
             </a:r>
             <a:endParaRPr lang="en-US" sz="3200" b="1" dirty="0">
               <a:latin typeface="Helvetica"/>
@@ -7497,6 +7941,196 @@
               <a:latin typeface="Arial"/>
               <a:cs typeface="Arial"/>
             </a:endParaRPr>
+          </a:p>
+        </p:txBody>
+      </p:sp>
+      <p:sp>
+        <p:nvSpPr>
+          <p:cNvPr id="2" name="Rectangle 1"/>
+          <p:cNvSpPr/>
+          <p:nvPr/>
+        </p:nvSpPr>
+        <p:spPr>
+          <a:xfrm>
+            <a:off x="3054714" y="4213205"/>
+            <a:ext cx="4960803" cy="1322612"/>
+          </a:xfrm>
+          <a:prstGeom prst="rect">
+            <a:avLst/>
+          </a:prstGeom>
+          <a:solidFill>
+            <a:schemeClr val="accent1">
+              <a:lumMod val="60000"/>
+              <a:lumOff val="40000"/>
+              <a:alpha val="40000"/>
+            </a:schemeClr>
+          </a:solidFill>
+          <a:ln>
+            <a:noFill/>
+          </a:ln>
+        </p:spPr>
+        <p:style>
+          <a:lnRef idx="1">
+            <a:schemeClr val="accent1"/>
+          </a:lnRef>
+          <a:fillRef idx="3">
+            <a:schemeClr val="accent1"/>
+          </a:fillRef>
+          <a:effectRef idx="2">
+            <a:schemeClr val="accent1"/>
+          </a:effectRef>
+          <a:fontRef idx="minor">
+            <a:schemeClr val="lt1"/>
+          </a:fontRef>
+        </p:style>
+        <p:txBody>
+          <a:bodyPr rtlCol="0" anchor="ctr"/>
+          <a:lstStyle/>
+          <a:p>
+            <a:pPr algn="ctr"/>
+            <a:endParaRPr lang="en-US"/>
+          </a:p>
+        </p:txBody>
+      </p:sp>
+      <p:sp>
+        <p:nvSpPr>
+          <p:cNvPr id="41" name="Rectangle 40"/>
+          <p:cNvSpPr/>
+          <p:nvPr/>
+        </p:nvSpPr>
+        <p:spPr>
+          <a:xfrm>
+            <a:off x="3067072" y="6938699"/>
+            <a:ext cx="4960803" cy="1284735"/>
+          </a:xfrm>
+          <a:prstGeom prst="rect">
+            <a:avLst/>
+          </a:prstGeom>
+          <a:solidFill>
+            <a:srgbClr val="95B3D7">
+              <a:alpha val="40000"/>
+            </a:srgbClr>
+          </a:solidFill>
+          <a:ln>
+            <a:noFill/>
+          </a:ln>
+        </p:spPr>
+        <p:style>
+          <a:lnRef idx="1">
+            <a:schemeClr val="accent1"/>
+          </a:lnRef>
+          <a:fillRef idx="3">
+            <a:schemeClr val="accent1"/>
+          </a:fillRef>
+          <a:effectRef idx="2">
+            <a:schemeClr val="accent1"/>
+          </a:effectRef>
+          <a:fontRef idx="minor">
+            <a:schemeClr val="lt1"/>
+          </a:fontRef>
+        </p:style>
+        <p:txBody>
+          <a:bodyPr rtlCol="0" anchor="ctr"/>
+          <a:lstStyle/>
+          <a:p>
+            <a:pPr algn="ctr"/>
+            <a:endParaRPr lang="en-US"/>
+          </a:p>
+        </p:txBody>
+      </p:sp>
+      <p:sp>
+        <p:nvSpPr>
+          <p:cNvPr id="42" name="Rectangle 41"/>
+          <p:cNvSpPr/>
+          <p:nvPr/>
+        </p:nvSpPr>
+        <p:spPr>
+          <a:xfrm>
+            <a:off x="11043345" y="4299115"/>
+            <a:ext cx="4960803" cy="1008102"/>
+          </a:xfrm>
+          <a:prstGeom prst="rect">
+            <a:avLst/>
+          </a:prstGeom>
+          <a:solidFill>
+            <a:schemeClr val="accent1">
+              <a:lumMod val="60000"/>
+              <a:lumOff val="40000"/>
+              <a:alpha val="40000"/>
+            </a:schemeClr>
+          </a:solidFill>
+          <a:ln>
+            <a:noFill/>
+          </a:ln>
+        </p:spPr>
+        <p:style>
+          <a:lnRef idx="1">
+            <a:schemeClr val="accent1"/>
+          </a:lnRef>
+          <a:fillRef idx="3">
+            <a:schemeClr val="accent1"/>
+          </a:fillRef>
+          <a:effectRef idx="2">
+            <a:schemeClr val="accent1"/>
+          </a:effectRef>
+          <a:fontRef idx="minor">
+            <a:schemeClr val="lt1"/>
+          </a:fontRef>
+        </p:style>
+        <p:txBody>
+          <a:bodyPr rtlCol="0" anchor="ctr"/>
+          <a:lstStyle/>
+          <a:p>
+            <a:pPr algn="ctr"/>
+            <a:endParaRPr lang="en-US"/>
+          </a:p>
+        </p:txBody>
+      </p:sp>
+      <p:sp>
+        <p:nvSpPr>
+          <p:cNvPr id="49" name="Rectangle 48"/>
+          <p:cNvSpPr/>
+          <p:nvPr/>
+        </p:nvSpPr>
+        <p:spPr>
+          <a:xfrm>
+            <a:off x="11049969" y="6434648"/>
+            <a:ext cx="4960803" cy="1008102"/>
+          </a:xfrm>
+          <a:prstGeom prst="rect">
+            <a:avLst/>
+          </a:prstGeom>
+          <a:solidFill>
+            <a:schemeClr val="accent1">
+              <a:lumMod val="60000"/>
+              <a:lumOff val="40000"/>
+              <a:alpha val="40000"/>
+            </a:schemeClr>
+          </a:solidFill>
+          <a:ln>
+            <a:noFill/>
+          </a:ln>
+        </p:spPr>
+        <p:style>
+          <a:lnRef idx="1">
+            <a:schemeClr val="accent1"/>
+          </a:lnRef>
+          <a:fillRef idx="3">
+            <a:schemeClr val="accent1"/>
+          </a:fillRef>
+          <a:effectRef idx="2">
+            <a:schemeClr val="accent1"/>
+          </a:effectRef>
+          <a:fontRef idx="minor">
+            <a:schemeClr val="lt1"/>
+          </a:fontRef>
+        </p:style>
+        <p:txBody>
+          <a:bodyPr rtlCol="0" anchor="ctr"/>
+          <a:lstStyle/>
+          <a:p>
+            <a:pPr algn="ctr"/>
+            <a:endParaRPr lang="en-US"/>
           </a:p>
         </p:txBody>
       </p:sp>
@@ -7546,7 +8180,7 @@
         <p:spPr>
           <a:xfrm>
             <a:off x="1127261" y="976585"/>
-            <a:ext cx="10994837" cy="677108"/>
+            <a:ext cx="11291192" cy="677108"/>
           </a:xfrm>
           <a:prstGeom prst="rect">
             <a:avLst/>
@@ -7571,7 +8205,14 @@
                 <a:latin typeface="Helvetica"/>
                 <a:cs typeface="Helvetica"/>
               </a:rPr>
-              <a:t>3: GWAS of ADSP WGS cohort by Bayes-GLMM</a:t>
+              <a:t>3: </a:t>
+            </a:r>
+            <a:r>
+              <a:rPr lang="en-US" sz="3200" b="1" dirty="0" smtClean="0">
+                <a:latin typeface="Helvetica"/>
+                <a:cs typeface="Helvetica"/>
+              </a:rPr>
+              <a:t>GWAS of ADSP WGS cohort by Bayes-GLMM</a:t>
             </a:r>
             <a:endParaRPr lang="en-US" sz="3200" b="1" dirty="0">
               <a:latin typeface="Helvetica"/>
@@ -8746,7 +9387,7 @@
         <p:spPr>
           <a:xfrm>
             <a:off x="1140088" y="162522"/>
-            <a:ext cx="10994837" cy="677108"/>
+            <a:ext cx="11337078" cy="677108"/>
           </a:xfrm>
           <a:prstGeom prst="rect">
             <a:avLst/>
@@ -8764,14 +9405,14 @@
                 <a:latin typeface="Helvetica"/>
                 <a:cs typeface="Helvetica"/>
               </a:rPr>
-              <a:t>Figure 4</a:t>
+              <a:t>Figure </a:t>
             </a:r>
             <a:r>
               <a:rPr lang="en-US" sz="3200" b="1" dirty="0" smtClean="0">
                 <a:latin typeface="Helvetica"/>
                 <a:cs typeface="Helvetica"/>
               </a:rPr>
-              <a:t>: </a:t>
+              <a:t>4: </a:t>
             </a:r>
             <a:r>
               <a:rPr lang="en-US" sz="3200" b="1" dirty="0">
@@ -9720,51 +10361,6 @@
       </p:sp>
       <p:sp>
         <p:nvSpPr>
-          <p:cNvPr id="50" name="Rectangle 49"/>
-          <p:cNvSpPr/>
-          <p:nvPr/>
-        </p:nvSpPr>
-        <p:spPr>
-          <a:xfrm>
-            <a:off x="3608481" y="4051536"/>
-            <a:ext cx="11181370" cy="2102065"/>
-          </a:xfrm>
-          <a:prstGeom prst="rect">
-            <a:avLst/>
-          </a:prstGeom>
-          <a:solidFill>
-            <a:schemeClr val="bg1">
-              <a:lumMod val="85000"/>
-              <a:alpha val="57000"/>
-            </a:schemeClr>
-          </a:solidFill>
-          <a:effectLst/>
-        </p:spPr>
-        <p:style>
-          <a:lnRef idx="1">
-            <a:schemeClr val="accent1"/>
-          </a:lnRef>
-          <a:fillRef idx="3">
-            <a:schemeClr val="accent1"/>
-          </a:fillRef>
-          <a:effectRef idx="2">
-            <a:schemeClr val="accent1"/>
-          </a:effectRef>
-          <a:fontRef idx="minor">
-            <a:schemeClr val="lt1"/>
-          </a:fontRef>
-        </p:style>
-        <p:txBody>
-          <a:bodyPr rtlCol="0" anchor="ctr"/>
-          <a:lstStyle/>
-          <a:p>
-            <a:pPr algn="ctr"/>
-            <a:endParaRPr lang="en-US"/>
-          </a:p>
-        </p:txBody>
-      </p:sp>
-      <p:sp>
-        <p:nvSpPr>
           <p:cNvPr id="40" name="TextBox 39"/>
           <p:cNvSpPr txBox="1"/>
           <p:nvPr/>
@@ -9835,6 +10431,45 @@
           </a:p>
         </p:txBody>
       </p:sp>
+      <p:cxnSp>
+        <p:nvCxnSpPr>
+          <p:cNvPr id="42" name="Straight Connector 41"/>
+          <p:cNvCxnSpPr/>
+          <p:nvPr/>
+        </p:nvCxnSpPr>
+        <p:spPr>
+          <a:xfrm>
+            <a:off x="3547534" y="4051536"/>
+            <a:ext cx="11050949" cy="0"/>
+          </a:xfrm>
+          <a:prstGeom prst="line">
+            <a:avLst/>
+          </a:prstGeom>
+          <a:ln>
+            <a:solidFill>
+              <a:schemeClr val="accent4">
+                <a:lumMod val="50000"/>
+              </a:schemeClr>
+            </a:solidFill>
+            <a:prstDash val="sysDash"/>
+          </a:ln>
+          <a:effectLst/>
+        </p:spPr>
+        <p:style>
+          <a:lnRef idx="2">
+            <a:schemeClr val="accent1"/>
+          </a:lnRef>
+          <a:fillRef idx="0">
+            <a:schemeClr val="accent1"/>
+          </a:fillRef>
+          <a:effectRef idx="1">
+            <a:schemeClr val="accent1"/>
+          </a:effectRef>
+          <a:fontRef idx="minor">
+            <a:schemeClr val="tx1"/>
+          </a:fontRef>
+        </p:style>
+      </p:cxnSp>
     </p:spTree>
     <p:extLst>
       <p:ext uri="{BB962C8B-B14F-4D97-AF65-F5344CB8AC3E}">
@@ -10308,15 +10943,58 @@
           <a:chExt cx="0" cy="0"/>
         </a:xfrm>
       </p:grpSpPr>
+      <p:sp>
+        <p:nvSpPr>
+          <p:cNvPr id="16" name="TextBox 15"/>
+          <p:cNvSpPr txBox="1"/>
+          <p:nvPr/>
+        </p:nvSpPr>
+        <p:spPr>
+          <a:xfrm>
+            <a:off x="1115515" y="1374044"/>
+            <a:ext cx="9671958" cy="677108"/>
+          </a:xfrm>
+          <a:prstGeom prst="rect">
+            <a:avLst/>
+          </a:prstGeom>
+          <a:noFill/>
+        </p:spPr>
+        <p:txBody>
+          <a:bodyPr wrap="none" lIns="182880" tIns="91440" rIns="182880" bIns="91440" rtlCol="0">
+            <a:spAutoFit/>
+          </a:bodyPr>
+          <a:lstStyle/>
+          <a:p>
+            <a:r>
+              <a:rPr lang="en-US" sz="3200" b="1" dirty="0">
+                <a:latin typeface="Helvetica"/>
+                <a:cs typeface="Helvetica"/>
+              </a:rPr>
+              <a:t>Figure </a:t>
+            </a:r>
+            <a:r>
+              <a:rPr lang="en-US" sz="3200" b="1" dirty="0" smtClean="0">
+                <a:latin typeface="Helvetica"/>
+                <a:cs typeface="Helvetica"/>
+              </a:rPr>
+              <a:t>6: Localization of PRKAR1B and PDGFA.</a:t>
+            </a:r>
+            <a:endParaRPr lang="en-US" sz="3200" b="1" dirty="0">
+              <a:latin typeface="Helvetica"/>
+              <a:cs typeface="Helvetica"/>
+            </a:endParaRPr>
+          </a:p>
+        </p:txBody>
+      </p:sp>
       <p:pic>
         <p:nvPicPr>
-          <p:cNvPr id="31" name="Picture 30" descr="simulation.pdf"/>
+          <p:cNvPr id="3" name="Picture 2" descr="ADSP Gene immuno fig.png"/>
           <p:cNvPicPr>
             <a:picLocks noChangeAspect="1"/>
           </p:cNvPicPr>
           <p:nvPr/>
         </p:nvPicPr>
-        <p:blipFill>
+        <p:blipFill rotWithShape="1">
           <a:blip r:embed="rId3">
             <a:extLst>
               <a:ext uri="{28A0092B-C50C-407E-A947-70E740481C1C}">
@@ -10324,729 +11002,23 @@
               </a:ext>
             </a:extLst>
           </a:blip>
-          <a:stretch>
-            <a:fillRect/>
-          </a:stretch>
-        </p:blipFill>
-        <p:spPr>
-          <a:xfrm>
-            <a:off x="6328195" y="8790796"/>
-            <a:ext cx="7083005" cy="4722003"/>
-          </a:xfrm>
-          <a:prstGeom prst="rect">
-            <a:avLst/>
-          </a:prstGeom>
-        </p:spPr>
-      </p:pic>
-      <p:sp>
-        <p:nvSpPr>
-          <p:cNvPr id="16" name="TextBox 15"/>
-          <p:cNvSpPr txBox="1"/>
-          <p:nvPr/>
-        </p:nvSpPr>
-        <p:spPr>
-          <a:xfrm>
-            <a:off x="1115515" y="341360"/>
-            <a:ext cx="5362886" cy="677108"/>
-          </a:xfrm>
-          <a:prstGeom prst="rect">
-            <a:avLst/>
-          </a:prstGeom>
-          <a:noFill/>
-        </p:spPr>
-        <p:txBody>
-          <a:bodyPr wrap="none" lIns="182880" tIns="91440" rIns="182880" bIns="91440" rtlCol="0">
-            <a:spAutoFit/>
-          </a:bodyPr>
-          <a:lstStyle/>
-          <a:p>
-            <a:r>
-              <a:rPr lang="en-US" sz="3200" b="1" dirty="0">
-                <a:latin typeface="Helvetica"/>
-                <a:cs typeface="Helvetica"/>
-              </a:rPr>
-              <a:t>Figure </a:t>
-            </a:r>
-            <a:r>
-              <a:rPr lang="en-US" sz="3200" b="1" dirty="0" smtClean="0">
-                <a:latin typeface="Helvetica"/>
-                <a:cs typeface="Helvetica"/>
-              </a:rPr>
-              <a:t>6: Effects of priors</a:t>
-            </a:r>
-            <a:endParaRPr lang="en-US" sz="3200" b="1" dirty="0">
-              <a:latin typeface="Helvetica"/>
-              <a:cs typeface="Helvetica"/>
-            </a:endParaRPr>
-          </a:p>
-        </p:txBody>
-      </p:sp>
-      <p:sp>
-        <p:nvSpPr>
-          <p:cNvPr id="14" name="TextBox 13"/>
-          <p:cNvSpPr txBox="1"/>
-          <p:nvPr/>
-        </p:nvSpPr>
-        <p:spPr>
-          <a:xfrm>
-            <a:off x="5030421" y="1290351"/>
-            <a:ext cx="643048" cy="738664"/>
-          </a:xfrm>
-          <a:prstGeom prst="rect">
-            <a:avLst/>
-          </a:prstGeom>
-          <a:noFill/>
-        </p:spPr>
-        <p:txBody>
-          <a:bodyPr wrap="square" lIns="182880" tIns="91440" rIns="182880" bIns="91440" rtlCol="0">
-            <a:spAutoFit/>
-          </a:bodyPr>
-          <a:lstStyle/>
-          <a:p>
-            <a:r>
-              <a:rPr lang="en-US" b="1" dirty="0" smtClean="0">
-                <a:latin typeface="Helvetica"/>
-                <a:cs typeface="Helvetica"/>
-              </a:rPr>
-              <a:t>A</a:t>
-            </a:r>
-            <a:endParaRPr lang="en-US" sz="2800" b="1" dirty="0">
-              <a:latin typeface="Helvetica"/>
-              <a:cs typeface="Helvetica"/>
-            </a:endParaRPr>
-          </a:p>
-        </p:txBody>
-      </p:sp>
-      <p:sp>
-        <p:nvSpPr>
-          <p:cNvPr id="15" name="TextBox 14"/>
-          <p:cNvSpPr txBox="1"/>
-          <p:nvPr/>
-        </p:nvSpPr>
-        <p:spPr>
-          <a:xfrm>
-            <a:off x="5030421" y="3919220"/>
-            <a:ext cx="643048" cy="738664"/>
-          </a:xfrm>
-          <a:prstGeom prst="rect">
-            <a:avLst/>
-          </a:prstGeom>
-          <a:noFill/>
-        </p:spPr>
-        <p:txBody>
-          <a:bodyPr wrap="square" lIns="182880" tIns="91440" rIns="182880" bIns="91440" rtlCol="0">
-            <a:spAutoFit/>
-          </a:bodyPr>
-          <a:lstStyle/>
-          <a:p>
-            <a:r>
-              <a:rPr lang="en-US" b="1" dirty="0">
-                <a:latin typeface="Helvetica"/>
-                <a:cs typeface="Helvetica"/>
-              </a:rPr>
-              <a:t>B</a:t>
-            </a:r>
-            <a:endParaRPr lang="en-US" sz="2800" b="1" dirty="0">
-              <a:latin typeface="Helvetica"/>
-              <a:cs typeface="Helvetica"/>
-            </a:endParaRPr>
-          </a:p>
-        </p:txBody>
-      </p:sp>
-      <p:sp>
-        <p:nvSpPr>
-          <p:cNvPr id="17" name="TextBox 16"/>
-          <p:cNvSpPr txBox="1"/>
-          <p:nvPr/>
-        </p:nvSpPr>
-        <p:spPr>
-          <a:xfrm>
-            <a:off x="5030421" y="6773835"/>
-            <a:ext cx="643048" cy="738664"/>
-          </a:xfrm>
-          <a:prstGeom prst="rect">
-            <a:avLst/>
-          </a:prstGeom>
-          <a:noFill/>
-        </p:spPr>
-        <p:txBody>
-          <a:bodyPr wrap="square" lIns="182880" tIns="91440" rIns="182880" bIns="91440" rtlCol="0">
-            <a:spAutoFit/>
-          </a:bodyPr>
-          <a:lstStyle/>
-          <a:p>
-            <a:r>
-              <a:rPr lang="en-US" b="1" dirty="0">
-                <a:latin typeface="Helvetica"/>
-                <a:cs typeface="Helvetica"/>
-              </a:rPr>
-              <a:t>C</a:t>
-            </a:r>
-            <a:endParaRPr lang="en-US" sz="2800" b="1" dirty="0">
-              <a:latin typeface="Helvetica"/>
-              <a:cs typeface="Helvetica"/>
-            </a:endParaRPr>
-          </a:p>
-        </p:txBody>
-      </p:sp>
-      <p:sp>
-        <p:nvSpPr>
-          <p:cNvPr id="18" name="TextBox 17"/>
-          <p:cNvSpPr txBox="1"/>
-          <p:nvPr/>
-        </p:nvSpPr>
-        <p:spPr>
-          <a:xfrm>
-            <a:off x="5030421" y="9411295"/>
-            <a:ext cx="643048" cy="738664"/>
-          </a:xfrm>
-          <a:prstGeom prst="rect">
-            <a:avLst/>
-          </a:prstGeom>
-          <a:noFill/>
-        </p:spPr>
-        <p:txBody>
-          <a:bodyPr wrap="square" lIns="182880" tIns="91440" rIns="182880" bIns="91440" rtlCol="0">
-            <a:spAutoFit/>
-          </a:bodyPr>
-          <a:lstStyle/>
-          <a:p>
-            <a:r>
-              <a:rPr lang="en-US" b="1" dirty="0">
-                <a:latin typeface="Helvetica"/>
-                <a:cs typeface="Helvetica"/>
-              </a:rPr>
-              <a:t>D</a:t>
-            </a:r>
-            <a:endParaRPr lang="en-US" sz="2800" b="1" dirty="0">
-              <a:latin typeface="Helvetica"/>
-              <a:cs typeface="Helvetica"/>
-            </a:endParaRPr>
-          </a:p>
-        </p:txBody>
-      </p:sp>
-      <p:sp>
-        <p:nvSpPr>
-          <p:cNvPr id="26" name="TextBox 25"/>
-          <p:cNvSpPr txBox="1"/>
-          <p:nvPr/>
-        </p:nvSpPr>
-        <p:spPr>
-          <a:xfrm>
-            <a:off x="7348843" y="11254669"/>
-            <a:ext cx="2763918" cy="400110"/>
-          </a:xfrm>
-          <a:prstGeom prst="rect">
-            <a:avLst/>
-          </a:prstGeom>
-          <a:noFill/>
-        </p:spPr>
-        <p:txBody>
-          <a:bodyPr wrap="square" rtlCol="0">
-            <a:spAutoFit/>
-          </a:bodyPr>
-          <a:lstStyle/>
-          <a:p>
-            <a:r>
-              <a:rPr lang="en-US" sz="2000" dirty="0" smtClean="0">
-                <a:latin typeface="Arial"/>
-                <a:cs typeface="Arial"/>
-              </a:rPr>
-              <a:t>P-value with flat prior</a:t>
-            </a:r>
-            <a:endParaRPr lang="en-US" sz="2000" dirty="0">
-              <a:latin typeface="Arial"/>
-              <a:cs typeface="Arial"/>
-            </a:endParaRPr>
-          </a:p>
-        </p:txBody>
-      </p:sp>
-      <p:pic>
-        <p:nvPicPr>
-          <p:cNvPr id="32" name="Picture 31" descr="simulation.pdf"/>
-          <p:cNvPicPr>
-            <a:picLocks noChangeAspect="1"/>
-          </p:cNvPicPr>
-          <p:nvPr/>
-        </p:nvPicPr>
-        <p:blipFill rotWithShape="1">
-          <a:blip r:embed="rId4">
-            <a:extLst>
-              <a:ext uri="{28A0092B-C50C-407E-A947-70E740481C1C}">
-                <a14:useLocalDpi xmlns:a14="http://schemas.microsoft.com/office/drawing/2010/main" val="0"/>
-              </a:ext>
-            </a:extLst>
-          </a:blip>
-          <a:srcRect t="11881" b="19951"/>
+          <a:srcRect t="13118"/>
           <a:stretch/>
         </p:blipFill>
         <p:spPr>
           <a:xfrm>
-            <a:off x="6328193" y="1164340"/>
-            <a:ext cx="7083007" cy="3218900"/>
+            <a:off x="2070099" y="2921000"/>
+            <a:ext cx="12103835" cy="8026400"/>
           </a:xfrm>
           <a:prstGeom prst="rect">
             <a:avLst/>
           </a:prstGeom>
         </p:spPr>
       </p:pic>
-      <p:pic>
-        <p:nvPicPr>
-          <p:cNvPr id="33" name="Picture 32" descr="simulation.pdf"/>
-          <p:cNvPicPr>
-            <a:picLocks noChangeAspect="1"/>
-          </p:cNvPicPr>
-          <p:nvPr/>
-        </p:nvPicPr>
-        <p:blipFill rotWithShape="1">
-          <a:blip r:embed="rId5">
-            <a:extLst>
-              <a:ext uri="{28A0092B-C50C-407E-A947-70E740481C1C}">
-                <a14:useLocalDpi xmlns:a14="http://schemas.microsoft.com/office/drawing/2010/main" val="0"/>
-              </a:ext>
-            </a:extLst>
-          </a:blip>
-          <a:srcRect b="21089"/>
-          <a:stretch/>
-        </p:blipFill>
-        <p:spPr>
-          <a:xfrm>
-            <a:off x="6328196" y="3333787"/>
-            <a:ext cx="7083006" cy="3726183"/>
-          </a:xfrm>
-          <a:prstGeom prst="rect">
-            <a:avLst/>
-          </a:prstGeom>
-        </p:spPr>
-      </p:pic>
-      <p:pic>
-        <p:nvPicPr>
-          <p:cNvPr id="34" name="Picture 33" descr="simulation.pdf"/>
-          <p:cNvPicPr>
-            <a:picLocks noChangeAspect="1"/>
-          </p:cNvPicPr>
-          <p:nvPr/>
-        </p:nvPicPr>
-        <p:blipFill rotWithShape="1">
-          <a:blip r:embed="rId6">
-            <a:extLst>
-              <a:ext uri="{28A0092B-C50C-407E-A947-70E740481C1C}">
-                <a14:useLocalDpi xmlns:a14="http://schemas.microsoft.com/office/drawing/2010/main" val="0"/>
-              </a:ext>
-            </a:extLst>
-          </a:blip>
-          <a:srcRect b="22282"/>
-          <a:stretch/>
-        </p:blipFill>
-        <p:spPr>
-          <a:xfrm>
-            <a:off x="6328196" y="6051769"/>
-            <a:ext cx="7083006" cy="3669843"/>
-          </a:xfrm>
-          <a:prstGeom prst="rect">
-            <a:avLst/>
-          </a:prstGeom>
-        </p:spPr>
-      </p:pic>
-      <p:cxnSp>
-        <p:nvCxnSpPr>
-          <p:cNvPr id="38" name="Straight Connector 37"/>
-          <p:cNvCxnSpPr/>
-          <p:nvPr/>
-        </p:nvCxnSpPr>
-        <p:spPr>
-          <a:xfrm>
-            <a:off x="10912861" y="1828800"/>
-            <a:ext cx="0" cy="10470246"/>
-          </a:xfrm>
-          <a:prstGeom prst="line">
-            <a:avLst/>
-          </a:prstGeom>
-          <a:ln w="6350" cmpd="sng">
-            <a:solidFill>
-              <a:schemeClr val="tx1"/>
-            </a:solidFill>
-            <a:prstDash val="sysDash"/>
-          </a:ln>
-          <a:effectLst/>
-        </p:spPr>
-        <p:style>
-          <a:lnRef idx="2">
-            <a:schemeClr val="accent1"/>
-          </a:lnRef>
-          <a:fillRef idx="0">
-            <a:schemeClr val="accent1"/>
-          </a:fillRef>
-          <a:effectRef idx="1">
-            <a:schemeClr val="accent1"/>
-          </a:effectRef>
-          <a:fontRef idx="minor">
-            <a:schemeClr val="tx1"/>
-          </a:fontRef>
-        </p:style>
-      </p:cxnSp>
-      <p:sp>
-        <p:nvSpPr>
-          <p:cNvPr id="39" name="TextBox 38"/>
-          <p:cNvSpPr txBox="1"/>
-          <p:nvPr/>
-        </p:nvSpPr>
-        <p:spPr>
-          <a:xfrm>
-            <a:off x="7348843" y="2283604"/>
-            <a:ext cx="2456450" cy="707886"/>
-          </a:xfrm>
-          <a:prstGeom prst="rect">
-            <a:avLst/>
-          </a:prstGeom>
-          <a:noFill/>
-        </p:spPr>
-        <p:txBody>
-          <a:bodyPr wrap="square" rtlCol="0">
-            <a:spAutoFit/>
-          </a:bodyPr>
-          <a:lstStyle/>
-          <a:p>
-            <a:r>
-              <a:rPr lang="en-US" sz="2000" dirty="0" smtClean="0">
-                <a:latin typeface="Arial"/>
-                <a:cs typeface="Arial"/>
-              </a:rPr>
-              <a:t>Effect size with </a:t>
-            </a:r>
-            <a:endParaRPr lang="en-US" sz="2000" dirty="0" smtClean="0">
-              <a:latin typeface="Arial"/>
-              <a:cs typeface="Arial"/>
-            </a:endParaRPr>
-          </a:p>
-          <a:p>
-            <a:r>
-              <a:rPr lang="en-US" sz="2000" dirty="0" smtClean="0">
-                <a:latin typeface="Arial"/>
-                <a:cs typeface="Arial"/>
-              </a:rPr>
-              <a:t>flat </a:t>
-            </a:r>
-            <a:r>
-              <a:rPr lang="en-US" sz="2000" dirty="0" smtClean="0">
-                <a:latin typeface="Arial"/>
-                <a:cs typeface="Arial"/>
-              </a:rPr>
-              <a:t>prior</a:t>
-            </a:r>
-            <a:endParaRPr lang="en-US" sz="2000" dirty="0">
-              <a:latin typeface="Arial"/>
-              <a:cs typeface="Arial"/>
-            </a:endParaRPr>
-          </a:p>
-        </p:txBody>
-      </p:sp>
-      <p:sp>
-        <p:nvSpPr>
-          <p:cNvPr id="40" name="TextBox 39"/>
-          <p:cNvSpPr txBox="1"/>
-          <p:nvPr/>
-        </p:nvSpPr>
-        <p:spPr>
-          <a:xfrm>
-            <a:off x="7332130" y="4314632"/>
-            <a:ext cx="2904069" cy="707886"/>
-          </a:xfrm>
-          <a:prstGeom prst="rect">
-            <a:avLst/>
-          </a:prstGeom>
-          <a:noFill/>
-        </p:spPr>
-        <p:txBody>
-          <a:bodyPr wrap="square" rtlCol="0">
-            <a:spAutoFit/>
-          </a:bodyPr>
-          <a:lstStyle/>
-          <a:p>
-            <a:r>
-              <a:rPr lang="en-US" sz="2000" dirty="0" smtClean="0">
-                <a:latin typeface="Arial"/>
-                <a:cs typeface="Arial"/>
-              </a:rPr>
-              <a:t>Standard error of effect size with flat prior</a:t>
-            </a:r>
-            <a:endParaRPr lang="en-US" sz="2000" dirty="0">
-              <a:latin typeface="Arial"/>
-              <a:cs typeface="Arial"/>
-            </a:endParaRPr>
-          </a:p>
-        </p:txBody>
-      </p:sp>
-      <p:sp>
-        <p:nvSpPr>
-          <p:cNvPr id="41" name="TextBox 40"/>
-          <p:cNvSpPr txBox="1"/>
-          <p:nvPr/>
-        </p:nvSpPr>
-        <p:spPr>
-          <a:xfrm>
-            <a:off x="7338660" y="7812828"/>
-            <a:ext cx="2583601" cy="707886"/>
-          </a:xfrm>
-          <a:prstGeom prst="rect">
-            <a:avLst/>
-          </a:prstGeom>
-          <a:noFill/>
-        </p:spPr>
-        <p:txBody>
-          <a:bodyPr wrap="square" rtlCol="0">
-            <a:spAutoFit/>
-          </a:bodyPr>
-          <a:lstStyle/>
-          <a:p>
-            <a:r>
-              <a:rPr lang="en-US" sz="2000" dirty="0" smtClean="0">
-                <a:latin typeface="Arial"/>
-                <a:cs typeface="Arial"/>
-              </a:rPr>
-              <a:t>Standardized effect size with flat prior</a:t>
-            </a:r>
-            <a:endParaRPr lang="en-US" sz="2000" dirty="0">
-              <a:latin typeface="Arial"/>
-              <a:cs typeface="Arial"/>
-            </a:endParaRPr>
-          </a:p>
-        </p:txBody>
-      </p:sp>
-      <p:cxnSp>
-        <p:nvCxnSpPr>
-          <p:cNvPr id="35" name="Straight Connector 34"/>
-          <p:cNvCxnSpPr/>
-          <p:nvPr/>
-        </p:nvCxnSpPr>
-        <p:spPr>
-          <a:xfrm>
-            <a:off x="10112761" y="1803400"/>
-            <a:ext cx="0" cy="10470246"/>
-          </a:xfrm>
-          <a:prstGeom prst="line">
-            <a:avLst/>
-          </a:prstGeom>
-          <a:ln w="6350" cmpd="sng">
-            <a:solidFill>
-              <a:schemeClr val="tx1"/>
-            </a:solidFill>
-            <a:prstDash val="sysDash"/>
-          </a:ln>
-          <a:effectLst/>
-        </p:spPr>
-        <p:style>
-          <a:lnRef idx="2">
-            <a:schemeClr val="accent1"/>
-          </a:lnRef>
-          <a:fillRef idx="0">
-            <a:schemeClr val="accent1"/>
-          </a:fillRef>
-          <a:effectRef idx="1">
-            <a:schemeClr val="accent1"/>
-          </a:effectRef>
-          <a:fontRef idx="minor">
-            <a:schemeClr val="tx1"/>
-          </a:fontRef>
-        </p:style>
-      </p:cxnSp>
-      <p:sp>
-        <p:nvSpPr>
-          <p:cNvPr id="42" name="TextBox 41"/>
-          <p:cNvSpPr txBox="1"/>
-          <p:nvPr/>
-        </p:nvSpPr>
-        <p:spPr>
-          <a:xfrm>
-            <a:off x="7741982" y="12905023"/>
-            <a:ext cx="4716158" cy="461665"/>
-          </a:xfrm>
-          <a:prstGeom prst="rect">
-            <a:avLst/>
-          </a:prstGeom>
-          <a:solidFill>
-            <a:srgbClr val="FFFFFF"/>
-          </a:solidFill>
-        </p:spPr>
-        <p:txBody>
-          <a:bodyPr wrap="square" rtlCol="0">
-            <a:spAutoFit/>
-          </a:bodyPr>
-          <a:lstStyle/>
-          <a:p>
-            <a:r>
-              <a:rPr lang="en-US" sz="2400" dirty="0" smtClean="0">
-                <a:latin typeface="Arial"/>
-                <a:cs typeface="Arial"/>
-              </a:rPr>
-              <a:t>Prior Standardized Effect Size</a:t>
-            </a:r>
-            <a:endParaRPr lang="en-US" sz="2400" dirty="0">
-              <a:latin typeface="Arial"/>
-              <a:cs typeface="Arial"/>
-            </a:endParaRPr>
-          </a:p>
-        </p:txBody>
-      </p:sp>
-      <p:sp>
-        <p:nvSpPr>
-          <p:cNvPr id="43" name="TextBox 42"/>
-          <p:cNvSpPr txBox="1"/>
-          <p:nvPr/>
-        </p:nvSpPr>
-        <p:spPr>
-          <a:xfrm rot="16200000">
-            <a:off x="5387724" y="10733654"/>
-            <a:ext cx="1880944" cy="461667"/>
-          </a:xfrm>
-          <a:prstGeom prst="rect">
-            <a:avLst/>
-          </a:prstGeom>
-          <a:solidFill>
-            <a:srgbClr val="FFFFFF"/>
-          </a:solidFill>
-        </p:spPr>
-        <p:txBody>
-          <a:bodyPr wrap="square" rtlCol="0">
-            <a:spAutoFit/>
-          </a:bodyPr>
-          <a:lstStyle/>
-          <a:p>
-            <a:r>
-              <a:rPr lang="en-US" sz="2400" dirty="0" smtClean="0">
-                <a:latin typeface="Arial"/>
-                <a:cs typeface="Arial"/>
-              </a:rPr>
-              <a:t>Post p-value</a:t>
-            </a:r>
-            <a:endParaRPr lang="en-US" sz="2400" dirty="0">
-              <a:latin typeface="Arial"/>
-              <a:cs typeface="Arial"/>
-            </a:endParaRPr>
-          </a:p>
-        </p:txBody>
-      </p:sp>
-      <p:sp>
-        <p:nvSpPr>
-          <p:cNvPr id="44" name="TextBox 43"/>
-          <p:cNvSpPr txBox="1"/>
-          <p:nvPr/>
-        </p:nvSpPr>
-        <p:spPr>
-          <a:xfrm rot="16200000">
-            <a:off x="4987271" y="7985394"/>
-            <a:ext cx="2681846" cy="830997"/>
-          </a:xfrm>
-          <a:prstGeom prst="rect">
-            <a:avLst/>
-          </a:prstGeom>
-          <a:solidFill>
-            <a:srgbClr val="FFFFFF"/>
-          </a:solidFill>
-        </p:spPr>
-        <p:txBody>
-          <a:bodyPr wrap="square" rtlCol="0">
-            <a:spAutoFit/>
-          </a:bodyPr>
-          <a:lstStyle/>
-          <a:p>
-            <a:pPr algn="ctr"/>
-            <a:r>
-              <a:rPr lang="en-US" sz="2400" dirty="0" smtClean="0">
-                <a:latin typeface="Arial"/>
-                <a:cs typeface="Arial"/>
-              </a:rPr>
-              <a:t>Post Standardized Effect Size</a:t>
-            </a:r>
-            <a:endParaRPr lang="en-US" sz="2400" dirty="0">
-              <a:latin typeface="Arial"/>
-              <a:cs typeface="Arial"/>
-            </a:endParaRPr>
-          </a:p>
-        </p:txBody>
-      </p:sp>
-      <p:sp>
-        <p:nvSpPr>
-          <p:cNvPr id="45" name="TextBox 44"/>
-          <p:cNvSpPr txBox="1"/>
-          <p:nvPr/>
-        </p:nvSpPr>
-        <p:spPr>
-          <a:xfrm rot="16200000">
-            <a:off x="4874139" y="5190416"/>
-            <a:ext cx="2908110" cy="830997"/>
-          </a:xfrm>
-          <a:prstGeom prst="rect">
-            <a:avLst/>
-          </a:prstGeom>
-          <a:solidFill>
-            <a:srgbClr val="FFFFFF"/>
-          </a:solidFill>
-        </p:spPr>
-        <p:txBody>
-          <a:bodyPr wrap="square" rtlCol="0">
-            <a:spAutoFit/>
-          </a:bodyPr>
-          <a:lstStyle/>
-          <a:p>
-            <a:pPr algn="ctr"/>
-            <a:r>
-              <a:rPr lang="en-US" sz="2400" dirty="0" smtClean="0">
-                <a:latin typeface="Arial"/>
-                <a:cs typeface="Arial"/>
-              </a:rPr>
-              <a:t>Post Standardized Error of Effect Size</a:t>
-            </a:r>
-            <a:endParaRPr lang="en-US" sz="2400" dirty="0">
-              <a:latin typeface="Arial"/>
-              <a:cs typeface="Arial"/>
-            </a:endParaRPr>
-          </a:p>
-        </p:txBody>
-      </p:sp>
-      <p:sp>
-        <p:nvSpPr>
-          <p:cNvPr id="46" name="TextBox 45"/>
-          <p:cNvSpPr txBox="1"/>
-          <p:nvPr/>
-        </p:nvSpPr>
-        <p:spPr>
-          <a:xfrm rot="16200000">
-            <a:off x="5093666" y="2650395"/>
-            <a:ext cx="2676729" cy="461665"/>
-          </a:xfrm>
-          <a:prstGeom prst="rect">
-            <a:avLst/>
-          </a:prstGeom>
-          <a:solidFill>
-            <a:srgbClr val="FFFFFF"/>
-          </a:solidFill>
-        </p:spPr>
-        <p:txBody>
-          <a:bodyPr wrap="square" rtlCol="0">
-            <a:spAutoFit/>
-          </a:bodyPr>
-          <a:lstStyle/>
-          <a:p>
-            <a:pPr algn="ctr"/>
-            <a:r>
-              <a:rPr lang="en-US" sz="2400" dirty="0" smtClean="0">
-                <a:latin typeface="Arial"/>
-                <a:cs typeface="Arial"/>
-              </a:rPr>
-              <a:t>Post Effect Size</a:t>
-            </a:r>
-            <a:endParaRPr lang="en-US" sz="2400" dirty="0">
-              <a:latin typeface="Arial"/>
-              <a:cs typeface="Arial"/>
-            </a:endParaRPr>
-          </a:p>
-        </p:txBody>
-      </p:sp>
     </p:spTree>
     <p:extLst>
       <p:ext uri="{BB962C8B-B14F-4D97-AF65-F5344CB8AC3E}">
-        <p14:creationId xmlns:p14="http://schemas.microsoft.com/office/powerpoint/2010/main" val="413944551"/>
+        <p14:creationId xmlns:p14="http://schemas.microsoft.com/office/powerpoint/2010/main" val="3862338785"/>
       </p:ext>
     </p:extLst>
   </p:cSld>
@@ -11080,16 +11052,768 @@
           <a:chExt cx="0" cy="0"/>
         </a:xfrm>
       </p:grpSpPr>
+      <p:pic>
+        <p:nvPicPr>
+          <p:cNvPr id="31" name="Picture 30" descr="simulation.pdf"/>
+          <p:cNvPicPr>
+            <a:picLocks noChangeAspect="1"/>
+          </p:cNvPicPr>
+          <p:nvPr/>
+        </p:nvPicPr>
+        <p:blipFill>
+          <a:blip r:embed="rId3">
+            <a:extLst>
+              <a:ext uri="{28A0092B-C50C-407E-A947-70E740481C1C}">
+                <a14:useLocalDpi xmlns:a14="http://schemas.microsoft.com/office/drawing/2010/main" val="0"/>
+              </a:ext>
+            </a:extLst>
+          </a:blip>
+          <a:stretch>
+            <a:fillRect/>
+          </a:stretch>
+        </p:blipFill>
+        <p:spPr>
+          <a:xfrm>
+            <a:off x="6328195" y="8790796"/>
+            <a:ext cx="7083005" cy="4722003"/>
+          </a:xfrm>
+          <a:prstGeom prst="rect">
+            <a:avLst/>
+          </a:prstGeom>
+        </p:spPr>
+      </p:pic>
+      <p:sp>
+        <p:nvSpPr>
+          <p:cNvPr id="16" name="TextBox 15"/>
+          <p:cNvSpPr txBox="1"/>
+          <p:nvPr/>
+        </p:nvSpPr>
+        <p:spPr>
+          <a:xfrm>
+            <a:off x="1115515" y="341360"/>
+            <a:ext cx="9695202" cy="677108"/>
+          </a:xfrm>
+          <a:prstGeom prst="rect">
+            <a:avLst/>
+          </a:prstGeom>
+          <a:noFill/>
+        </p:spPr>
+        <p:txBody>
+          <a:bodyPr wrap="none" lIns="182880" tIns="91440" rIns="182880" bIns="91440" rtlCol="0">
+            <a:spAutoFit/>
+          </a:bodyPr>
+          <a:lstStyle/>
+          <a:p>
+            <a:r>
+              <a:rPr lang="en-US" sz="3200" b="1" dirty="0">
+                <a:latin typeface="Helvetica"/>
+                <a:cs typeface="Helvetica"/>
+              </a:rPr>
+              <a:t>Figure </a:t>
+            </a:r>
+            <a:r>
+              <a:rPr lang="en-US" sz="3200" b="1" dirty="0">
+                <a:latin typeface="Helvetica"/>
+                <a:cs typeface="Helvetica"/>
+              </a:rPr>
+              <a:t>7</a:t>
+            </a:r>
+            <a:r>
+              <a:rPr lang="en-US" sz="3200" b="1" dirty="0" smtClean="0">
+                <a:latin typeface="Helvetica"/>
+                <a:cs typeface="Helvetica"/>
+              </a:rPr>
+              <a:t>: </a:t>
+            </a:r>
+            <a:r>
+              <a:rPr lang="en-US" sz="3200" b="1" dirty="0" smtClean="0">
+                <a:latin typeface="Helvetica"/>
+                <a:cs typeface="Helvetica"/>
+              </a:rPr>
+              <a:t>Effects of </a:t>
+            </a:r>
+            <a:r>
+              <a:rPr lang="en-US" sz="3200" b="1" dirty="0" smtClean="0">
+                <a:latin typeface="Helvetica"/>
+                <a:cs typeface="Helvetica"/>
+              </a:rPr>
+              <a:t>priors on model estimations</a:t>
+            </a:r>
+            <a:endParaRPr lang="en-US" sz="3200" b="1" dirty="0">
+              <a:latin typeface="Helvetica"/>
+              <a:cs typeface="Helvetica"/>
+            </a:endParaRPr>
+          </a:p>
+        </p:txBody>
+      </p:sp>
+      <p:sp>
+        <p:nvSpPr>
+          <p:cNvPr id="14" name="TextBox 13"/>
+          <p:cNvSpPr txBox="1"/>
+          <p:nvPr/>
+        </p:nvSpPr>
+        <p:spPr>
+          <a:xfrm>
+            <a:off x="5030421" y="1290351"/>
+            <a:ext cx="643048" cy="738664"/>
+          </a:xfrm>
+          <a:prstGeom prst="rect">
+            <a:avLst/>
+          </a:prstGeom>
+          <a:noFill/>
+        </p:spPr>
+        <p:txBody>
+          <a:bodyPr wrap="square" lIns="182880" tIns="91440" rIns="182880" bIns="91440" rtlCol="0">
+            <a:spAutoFit/>
+          </a:bodyPr>
+          <a:lstStyle/>
+          <a:p>
+            <a:r>
+              <a:rPr lang="en-US" b="1" dirty="0" smtClean="0">
+                <a:latin typeface="Helvetica"/>
+                <a:cs typeface="Helvetica"/>
+              </a:rPr>
+              <a:t>A</a:t>
+            </a:r>
+            <a:endParaRPr lang="en-US" sz="2800" b="1" dirty="0">
+              <a:latin typeface="Helvetica"/>
+              <a:cs typeface="Helvetica"/>
+            </a:endParaRPr>
+          </a:p>
+        </p:txBody>
+      </p:sp>
+      <p:sp>
+        <p:nvSpPr>
+          <p:cNvPr id="15" name="TextBox 14"/>
+          <p:cNvSpPr txBox="1"/>
+          <p:nvPr/>
+        </p:nvSpPr>
+        <p:spPr>
+          <a:xfrm>
+            <a:off x="5030421" y="3919220"/>
+            <a:ext cx="643048" cy="738664"/>
+          </a:xfrm>
+          <a:prstGeom prst="rect">
+            <a:avLst/>
+          </a:prstGeom>
+          <a:noFill/>
+        </p:spPr>
+        <p:txBody>
+          <a:bodyPr wrap="square" lIns="182880" tIns="91440" rIns="182880" bIns="91440" rtlCol="0">
+            <a:spAutoFit/>
+          </a:bodyPr>
+          <a:lstStyle/>
+          <a:p>
+            <a:r>
+              <a:rPr lang="en-US" b="1" dirty="0">
+                <a:latin typeface="Helvetica"/>
+                <a:cs typeface="Helvetica"/>
+              </a:rPr>
+              <a:t>B</a:t>
+            </a:r>
+            <a:endParaRPr lang="en-US" sz="2800" b="1" dirty="0">
+              <a:latin typeface="Helvetica"/>
+              <a:cs typeface="Helvetica"/>
+            </a:endParaRPr>
+          </a:p>
+        </p:txBody>
+      </p:sp>
+      <p:sp>
+        <p:nvSpPr>
+          <p:cNvPr id="17" name="TextBox 16"/>
+          <p:cNvSpPr txBox="1"/>
+          <p:nvPr/>
+        </p:nvSpPr>
+        <p:spPr>
+          <a:xfrm>
+            <a:off x="5030421" y="6773835"/>
+            <a:ext cx="643048" cy="738664"/>
+          </a:xfrm>
+          <a:prstGeom prst="rect">
+            <a:avLst/>
+          </a:prstGeom>
+          <a:noFill/>
+        </p:spPr>
+        <p:txBody>
+          <a:bodyPr wrap="square" lIns="182880" tIns="91440" rIns="182880" bIns="91440" rtlCol="0">
+            <a:spAutoFit/>
+          </a:bodyPr>
+          <a:lstStyle/>
+          <a:p>
+            <a:r>
+              <a:rPr lang="en-US" b="1" dirty="0">
+                <a:latin typeface="Helvetica"/>
+                <a:cs typeface="Helvetica"/>
+              </a:rPr>
+              <a:t>C</a:t>
+            </a:r>
+            <a:endParaRPr lang="en-US" sz="2800" b="1" dirty="0">
+              <a:latin typeface="Helvetica"/>
+              <a:cs typeface="Helvetica"/>
+            </a:endParaRPr>
+          </a:p>
+        </p:txBody>
+      </p:sp>
+      <p:sp>
+        <p:nvSpPr>
+          <p:cNvPr id="18" name="TextBox 17"/>
+          <p:cNvSpPr txBox="1"/>
+          <p:nvPr/>
+        </p:nvSpPr>
+        <p:spPr>
+          <a:xfrm>
+            <a:off x="5030421" y="9411295"/>
+            <a:ext cx="643048" cy="738664"/>
+          </a:xfrm>
+          <a:prstGeom prst="rect">
+            <a:avLst/>
+          </a:prstGeom>
+          <a:noFill/>
+        </p:spPr>
+        <p:txBody>
+          <a:bodyPr wrap="square" lIns="182880" tIns="91440" rIns="182880" bIns="91440" rtlCol="0">
+            <a:spAutoFit/>
+          </a:bodyPr>
+          <a:lstStyle/>
+          <a:p>
+            <a:r>
+              <a:rPr lang="en-US" b="1" dirty="0">
+                <a:latin typeface="Helvetica"/>
+                <a:cs typeface="Helvetica"/>
+              </a:rPr>
+              <a:t>D</a:t>
+            </a:r>
+            <a:endParaRPr lang="en-US" sz="2800" b="1" dirty="0">
+              <a:latin typeface="Helvetica"/>
+              <a:cs typeface="Helvetica"/>
+            </a:endParaRPr>
+          </a:p>
+        </p:txBody>
+      </p:sp>
+      <p:sp>
+        <p:nvSpPr>
+          <p:cNvPr id="26" name="TextBox 25"/>
+          <p:cNvSpPr txBox="1"/>
+          <p:nvPr/>
+        </p:nvSpPr>
+        <p:spPr>
+          <a:xfrm>
+            <a:off x="7348843" y="11254669"/>
+            <a:ext cx="2763918" cy="400110"/>
+          </a:xfrm>
+          <a:prstGeom prst="rect">
+            <a:avLst/>
+          </a:prstGeom>
+          <a:noFill/>
+        </p:spPr>
+        <p:txBody>
+          <a:bodyPr wrap="square" rtlCol="0">
+            <a:spAutoFit/>
+          </a:bodyPr>
+          <a:lstStyle/>
+          <a:p>
+            <a:r>
+              <a:rPr lang="en-US" sz="2000" dirty="0" smtClean="0">
+                <a:latin typeface="Arial"/>
+                <a:cs typeface="Arial"/>
+              </a:rPr>
+              <a:t>P-value with flat prior</a:t>
+            </a:r>
+            <a:endParaRPr lang="en-US" sz="2000" dirty="0">
+              <a:latin typeface="Arial"/>
+              <a:cs typeface="Arial"/>
+            </a:endParaRPr>
+          </a:p>
+        </p:txBody>
+      </p:sp>
+      <p:pic>
+        <p:nvPicPr>
+          <p:cNvPr id="32" name="Picture 31" descr="simulation.pdf"/>
+          <p:cNvPicPr>
+            <a:picLocks noChangeAspect="1"/>
+          </p:cNvPicPr>
+          <p:nvPr/>
+        </p:nvPicPr>
+        <p:blipFill rotWithShape="1">
+          <a:blip r:embed="rId4">
+            <a:extLst>
+              <a:ext uri="{28A0092B-C50C-407E-A947-70E740481C1C}">
+                <a14:useLocalDpi xmlns:a14="http://schemas.microsoft.com/office/drawing/2010/main" val="0"/>
+              </a:ext>
+            </a:extLst>
+          </a:blip>
+          <a:srcRect t="11881" b="19951"/>
+          <a:stretch/>
+        </p:blipFill>
+        <p:spPr>
+          <a:xfrm>
+            <a:off x="6328193" y="1164340"/>
+            <a:ext cx="7083007" cy="3218900"/>
+          </a:xfrm>
+          <a:prstGeom prst="rect">
+            <a:avLst/>
+          </a:prstGeom>
+        </p:spPr>
+      </p:pic>
+      <p:pic>
+        <p:nvPicPr>
+          <p:cNvPr id="33" name="Picture 32" descr="simulation.pdf"/>
+          <p:cNvPicPr>
+            <a:picLocks noChangeAspect="1"/>
+          </p:cNvPicPr>
+          <p:nvPr/>
+        </p:nvPicPr>
+        <p:blipFill rotWithShape="1">
+          <a:blip r:embed="rId5">
+            <a:extLst>
+              <a:ext uri="{28A0092B-C50C-407E-A947-70E740481C1C}">
+                <a14:useLocalDpi xmlns:a14="http://schemas.microsoft.com/office/drawing/2010/main" val="0"/>
+              </a:ext>
+            </a:extLst>
+          </a:blip>
+          <a:srcRect b="21089"/>
+          <a:stretch/>
+        </p:blipFill>
+        <p:spPr>
+          <a:xfrm>
+            <a:off x="6328196" y="3333787"/>
+            <a:ext cx="7083006" cy="3726183"/>
+          </a:xfrm>
+          <a:prstGeom prst="rect">
+            <a:avLst/>
+          </a:prstGeom>
+        </p:spPr>
+      </p:pic>
+      <p:pic>
+        <p:nvPicPr>
+          <p:cNvPr id="34" name="Picture 33" descr="simulation.pdf"/>
+          <p:cNvPicPr>
+            <a:picLocks noChangeAspect="1"/>
+          </p:cNvPicPr>
+          <p:nvPr/>
+        </p:nvPicPr>
+        <p:blipFill rotWithShape="1">
+          <a:blip r:embed="rId6">
+            <a:extLst>
+              <a:ext uri="{28A0092B-C50C-407E-A947-70E740481C1C}">
+                <a14:useLocalDpi xmlns:a14="http://schemas.microsoft.com/office/drawing/2010/main" val="0"/>
+              </a:ext>
+            </a:extLst>
+          </a:blip>
+          <a:srcRect b="22282"/>
+          <a:stretch/>
+        </p:blipFill>
+        <p:spPr>
+          <a:xfrm>
+            <a:off x="6328196" y="6051769"/>
+            <a:ext cx="7083006" cy="3669843"/>
+          </a:xfrm>
+          <a:prstGeom prst="rect">
+            <a:avLst/>
+          </a:prstGeom>
+        </p:spPr>
+      </p:pic>
+      <p:cxnSp>
+        <p:nvCxnSpPr>
+          <p:cNvPr id="38" name="Straight Connector 37"/>
+          <p:cNvCxnSpPr/>
+          <p:nvPr/>
+        </p:nvCxnSpPr>
+        <p:spPr>
+          <a:xfrm>
+            <a:off x="10912861" y="1828800"/>
+            <a:ext cx="0" cy="10470246"/>
+          </a:xfrm>
+          <a:prstGeom prst="line">
+            <a:avLst/>
+          </a:prstGeom>
+          <a:ln w="6350" cmpd="sng">
+            <a:solidFill>
+              <a:schemeClr val="tx1"/>
+            </a:solidFill>
+            <a:prstDash val="sysDash"/>
+          </a:ln>
+          <a:effectLst/>
+        </p:spPr>
+        <p:style>
+          <a:lnRef idx="2">
+            <a:schemeClr val="accent1"/>
+          </a:lnRef>
+          <a:fillRef idx="0">
+            <a:schemeClr val="accent1"/>
+          </a:fillRef>
+          <a:effectRef idx="1">
+            <a:schemeClr val="accent1"/>
+          </a:effectRef>
+          <a:fontRef idx="minor">
+            <a:schemeClr val="tx1"/>
+          </a:fontRef>
+        </p:style>
+      </p:cxnSp>
+      <p:sp>
+        <p:nvSpPr>
+          <p:cNvPr id="39" name="TextBox 38"/>
+          <p:cNvSpPr txBox="1"/>
+          <p:nvPr/>
+        </p:nvSpPr>
+        <p:spPr>
+          <a:xfrm>
+            <a:off x="7348843" y="2283604"/>
+            <a:ext cx="2456450" cy="707886"/>
+          </a:xfrm>
+          <a:prstGeom prst="rect">
+            <a:avLst/>
+          </a:prstGeom>
+          <a:noFill/>
+        </p:spPr>
+        <p:txBody>
+          <a:bodyPr wrap="square" rtlCol="0">
+            <a:spAutoFit/>
+          </a:bodyPr>
+          <a:lstStyle/>
+          <a:p>
+            <a:r>
+              <a:rPr lang="en-US" sz="2000" dirty="0" smtClean="0">
+                <a:latin typeface="Arial"/>
+                <a:cs typeface="Arial"/>
+              </a:rPr>
+              <a:t>Effect size with </a:t>
+            </a:r>
+          </a:p>
+          <a:p>
+            <a:r>
+              <a:rPr lang="en-US" sz="2000" dirty="0" smtClean="0">
+                <a:latin typeface="Arial"/>
+                <a:cs typeface="Arial"/>
+              </a:rPr>
+              <a:t>flat prior</a:t>
+            </a:r>
+            <a:endParaRPr lang="en-US" sz="2000" dirty="0">
+              <a:latin typeface="Arial"/>
+              <a:cs typeface="Arial"/>
+            </a:endParaRPr>
+          </a:p>
+        </p:txBody>
+      </p:sp>
+      <p:sp>
+        <p:nvSpPr>
+          <p:cNvPr id="40" name="TextBox 39"/>
+          <p:cNvSpPr txBox="1"/>
+          <p:nvPr/>
+        </p:nvSpPr>
+        <p:spPr>
+          <a:xfrm>
+            <a:off x="7332130" y="4314632"/>
+            <a:ext cx="2904069" cy="707886"/>
+          </a:xfrm>
+          <a:prstGeom prst="rect">
+            <a:avLst/>
+          </a:prstGeom>
+          <a:noFill/>
+        </p:spPr>
+        <p:txBody>
+          <a:bodyPr wrap="square" rtlCol="0">
+            <a:spAutoFit/>
+          </a:bodyPr>
+          <a:lstStyle/>
+          <a:p>
+            <a:r>
+              <a:rPr lang="en-US" sz="2000" dirty="0" smtClean="0">
+                <a:latin typeface="Arial"/>
+                <a:cs typeface="Arial"/>
+              </a:rPr>
+              <a:t>Standard error of effect size with flat prior</a:t>
+            </a:r>
+            <a:endParaRPr lang="en-US" sz="2000" dirty="0">
+              <a:latin typeface="Arial"/>
+              <a:cs typeface="Arial"/>
+            </a:endParaRPr>
+          </a:p>
+        </p:txBody>
+      </p:sp>
+      <p:sp>
+        <p:nvSpPr>
+          <p:cNvPr id="41" name="TextBox 40"/>
+          <p:cNvSpPr txBox="1"/>
+          <p:nvPr/>
+        </p:nvSpPr>
+        <p:spPr>
+          <a:xfrm>
+            <a:off x="7338660" y="7812828"/>
+            <a:ext cx="2583601" cy="707886"/>
+          </a:xfrm>
+          <a:prstGeom prst="rect">
+            <a:avLst/>
+          </a:prstGeom>
+          <a:noFill/>
+        </p:spPr>
+        <p:txBody>
+          <a:bodyPr wrap="square" rtlCol="0">
+            <a:spAutoFit/>
+          </a:bodyPr>
+          <a:lstStyle/>
+          <a:p>
+            <a:r>
+              <a:rPr lang="en-US" sz="2000" dirty="0" smtClean="0">
+                <a:latin typeface="Arial"/>
+                <a:cs typeface="Arial"/>
+              </a:rPr>
+              <a:t>Standardized effect size with flat prior</a:t>
+            </a:r>
+            <a:endParaRPr lang="en-US" sz="2000" dirty="0">
+              <a:latin typeface="Arial"/>
+              <a:cs typeface="Arial"/>
+            </a:endParaRPr>
+          </a:p>
+        </p:txBody>
+      </p:sp>
+      <p:cxnSp>
+        <p:nvCxnSpPr>
+          <p:cNvPr id="35" name="Straight Connector 34"/>
+          <p:cNvCxnSpPr/>
+          <p:nvPr/>
+        </p:nvCxnSpPr>
+        <p:spPr>
+          <a:xfrm>
+            <a:off x="10112761" y="1803400"/>
+            <a:ext cx="0" cy="10470246"/>
+          </a:xfrm>
+          <a:prstGeom prst="line">
+            <a:avLst/>
+          </a:prstGeom>
+          <a:ln w="6350" cmpd="sng">
+            <a:solidFill>
+              <a:schemeClr val="tx1"/>
+            </a:solidFill>
+            <a:prstDash val="sysDash"/>
+          </a:ln>
+          <a:effectLst/>
+        </p:spPr>
+        <p:style>
+          <a:lnRef idx="2">
+            <a:schemeClr val="accent1"/>
+          </a:lnRef>
+          <a:fillRef idx="0">
+            <a:schemeClr val="accent1"/>
+          </a:fillRef>
+          <a:effectRef idx="1">
+            <a:schemeClr val="accent1"/>
+          </a:effectRef>
+          <a:fontRef idx="minor">
+            <a:schemeClr val="tx1"/>
+          </a:fontRef>
+        </p:style>
+      </p:cxnSp>
+      <p:sp>
+        <p:nvSpPr>
+          <p:cNvPr id="42" name="TextBox 41"/>
+          <p:cNvSpPr txBox="1"/>
+          <p:nvPr/>
+        </p:nvSpPr>
+        <p:spPr>
+          <a:xfrm>
+            <a:off x="7741982" y="12905023"/>
+            <a:ext cx="4716158" cy="461665"/>
+          </a:xfrm>
+          <a:prstGeom prst="rect">
+            <a:avLst/>
+          </a:prstGeom>
+          <a:solidFill>
+            <a:srgbClr val="FFFFFF"/>
+          </a:solidFill>
+        </p:spPr>
+        <p:txBody>
+          <a:bodyPr wrap="square" rtlCol="0">
+            <a:spAutoFit/>
+          </a:bodyPr>
+          <a:lstStyle/>
+          <a:p>
+            <a:r>
+              <a:rPr lang="en-US" sz="2400" dirty="0" smtClean="0">
+                <a:latin typeface="Arial"/>
+                <a:cs typeface="Arial"/>
+              </a:rPr>
+              <a:t>Prior Standardized Effect Size</a:t>
+            </a:r>
+            <a:endParaRPr lang="en-US" sz="2400" dirty="0">
+              <a:latin typeface="Arial"/>
+              <a:cs typeface="Arial"/>
+            </a:endParaRPr>
+          </a:p>
+        </p:txBody>
+      </p:sp>
+      <p:sp>
+        <p:nvSpPr>
+          <p:cNvPr id="43" name="TextBox 42"/>
+          <p:cNvSpPr txBox="1"/>
+          <p:nvPr/>
+        </p:nvSpPr>
+        <p:spPr>
+          <a:xfrm rot="16200000">
+            <a:off x="5387724" y="10733654"/>
+            <a:ext cx="1880944" cy="461667"/>
+          </a:xfrm>
+          <a:prstGeom prst="rect">
+            <a:avLst/>
+          </a:prstGeom>
+          <a:solidFill>
+            <a:srgbClr val="FFFFFF"/>
+          </a:solidFill>
+        </p:spPr>
+        <p:txBody>
+          <a:bodyPr wrap="square" rtlCol="0">
+            <a:spAutoFit/>
+          </a:bodyPr>
+          <a:lstStyle/>
+          <a:p>
+            <a:r>
+              <a:rPr lang="en-US" sz="2400" dirty="0" smtClean="0">
+                <a:latin typeface="Arial"/>
+                <a:cs typeface="Arial"/>
+              </a:rPr>
+              <a:t>Post p-value</a:t>
+            </a:r>
+            <a:endParaRPr lang="en-US" sz="2400" dirty="0">
+              <a:latin typeface="Arial"/>
+              <a:cs typeface="Arial"/>
+            </a:endParaRPr>
+          </a:p>
+        </p:txBody>
+      </p:sp>
+      <p:sp>
+        <p:nvSpPr>
+          <p:cNvPr id="44" name="TextBox 43"/>
+          <p:cNvSpPr txBox="1"/>
+          <p:nvPr/>
+        </p:nvSpPr>
+        <p:spPr>
+          <a:xfrm rot="16200000">
+            <a:off x="4987271" y="7985394"/>
+            <a:ext cx="2681846" cy="830997"/>
+          </a:xfrm>
+          <a:prstGeom prst="rect">
+            <a:avLst/>
+          </a:prstGeom>
+          <a:solidFill>
+            <a:srgbClr val="FFFFFF"/>
+          </a:solidFill>
+        </p:spPr>
+        <p:txBody>
+          <a:bodyPr wrap="square" rtlCol="0">
+            <a:spAutoFit/>
+          </a:bodyPr>
+          <a:lstStyle/>
+          <a:p>
+            <a:pPr algn="ctr"/>
+            <a:r>
+              <a:rPr lang="en-US" sz="2400" dirty="0" smtClean="0">
+                <a:latin typeface="Arial"/>
+                <a:cs typeface="Arial"/>
+              </a:rPr>
+              <a:t>Post Standardized Effect Size</a:t>
+            </a:r>
+            <a:endParaRPr lang="en-US" sz="2400" dirty="0">
+              <a:latin typeface="Arial"/>
+              <a:cs typeface="Arial"/>
+            </a:endParaRPr>
+          </a:p>
+        </p:txBody>
+      </p:sp>
+      <p:sp>
+        <p:nvSpPr>
+          <p:cNvPr id="45" name="TextBox 44"/>
+          <p:cNvSpPr txBox="1"/>
+          <p:nvPr/>
+        </p:nvSpPr>
+        <p:spPr>
+          <a:xfrm rot="16200000">
+            <a:off x="4874139" y="5190416"/>
+            <a:ext cx="2908110" cy="830997"/>
+          </a:xfrm>
+          <a:prstGeom prst="rect">
+            <a:avLst/>
+          </a:prstGeom>
+          <a:solidFill>
+            <a:srgbClr val="FFFFFF"/>
+          </a:solidFill>
+        </p:spPr>
+        <p:txBody>
+          <a:bodyPr wrap="square" rtlCol="0">
+            <a:spAutoFit/>
+          </a:bodyPr>
+          <a:lstStyle/>
+          <a:p>
+            <a:pPr algn="ctr"/>
+            <a:r>
+              <a:rPr lang="en-US" sz="2400" dirty="0" smtClean="0">
+                <a:latin typeface="Arial"/>
+                <a:cs typeface="Arial"/>
+              </a:rPr>
+              <a:t>Post Standardized Error of Effect Size</a:t>
+            </a:r>
+            <a:endParaRPr lang="en-US" sz="2400" dirty="0">
+              <a:latin typeface="Arial"/>
+              <a:cs typeface="Arial"/>
+            </a:endParaRPr>
+          </a:p>
+        </p:txBody>
+      </p:sp>
+      <p:sp>
+        <p:nvSpPr>
+          <p:cNvPr id="46" name="TextBox 45"/>
+          <p:cNvSpPr txBox="1"/>
+          <p:nvPr/>
+        </p:nvSpPr>
+        <p:spPr>
+          <a:xfrm rot="16200000">
+            <a:off x="5093666" y="2650395"/>
+            <a:ext cx="2676729" cy="461665"/>
+          </a:xfrm>
+          <a:prstGeom prst="rect">
+            <a:avLst/>
+          </a:prstGeom>
+          <a:solidFill>
+            <a:srgbClr val="FFFFFF"/>
+          </a:solidFill>
+        </p:spPr>
+        <p:txBody>
+          <a:bodyPr wrap="square" rtlCol="0">
+            <a:spAutoFit/>
+          </a:bodyPr>
+          <a:lstStyle/>
+          <a:p>
+            <a:pPr algn="ctr"/>
+            <a:r>
+              <a:rPr lang="en-US" sz="2400" dirty="0" smtClean="0">
+                <a:latin typeface="Arial"/>
+                <a:cs typeface="Arial"/>
+              </a:rPr>
+              <a:t>Post Effect Size</a:t>
+            </a:r>
+            <a:endParaRPr lang="en-US" sz="2400" dirty="0">
+              <a:latin typeface="Arial"/>
+              <a:cs typeface="Arial"/>
+            </a:endParaRPr>
+          </a:p>
+        </p:txBody>
+      </p:sp>
     </p:spTree>
     <p:extLst>
       <p:ext uri="{BB962C8B-B14F-4D97-AF65-F5344CB8AC3E}">
-        <p14:creationId xmlns:p14="http://schemas.microsoft.com/office/powerpoint/2010/main" val="2561065476"/>
+        <p14:creationId xmlns:p14="http://schemas.microsoft.com/office/powerpoint/2010/main" val="413944551"/>
       </p:ext>
     </p:extLst>
   </p:cSld>
   <p:clrMapOvr>
     <a:masterClrMapping/>
   </p:clrMapOvr>
+  <p:timing>
+    <p:tnLst>
+      <p:par>
+        <p:cTn xmlns:p14="http://schemas.microsoft.com/office/powerpoint/2010/main" id="1" dur="indefinite" restart="never" nodeType="tmRoot"/>
+      </p:par>
+    </p:tnLst>
+  </p:timing>
 </p:sld>
 </file>
 
@@ -11110,83 +11834,10 @@
           <a:chExt cx="0" cy="0"/>
         </a:xfrm>
       </p:grpSpPr>
-      <p:sp>
-        <p:nvSpPr>
-          <p:cNvPr id="4" name="TextBox 3"/>
-          <p:cNvSpPr txBox="1"/>
-          <p:nvPr/>
-        </p:nvSpPr>
-        <p:spPr>
-          <a:xfrm>
-            <a:off x="1027229" y="763186"/>
-            <a:ext cx="5044089" cy="677108"/>
-          </a:xfrm>
-          <a:prstGeom prst="rect">
-            <a:avLst/>
-          </a:prstGeom>
-          <a:noFill/>
-        </p:spPr>
-        <p:txBody>
-          <a:bodyPr wrap="none" lIns="182880" tIns="91440" rIns="182880" bIns="91440" rtlCol="0">
-            <a:spAutoFit/>
-          </a:bodyPr>
-          <a:lstStyle/>
-          <a:p>
-            <a:r>
-              <a:rPr lang="en-US" sz="3200" b="1" dirty="0">
-                <a:latin typeface="Helvetica"/>
-                <a:cs typeface="Helvetica"/>
-              </a:rPr>
-              <a:t>Supplementary Figure </a:t>
-            </a:r>
-            <a:r>
-              <a:rPr lang="en-US" sz="3200" b="1" dirty="0" smtClean="0">
-                <a:latin typeface="Helvetica"/>
-                <a:cs typeface="Helvetica"/>
-              </a:rPr>
-              <a:t>1</a:t>
-            </a:r>
-            <a:endParaRPr lang="en-US" sz="3200" b="1" dirty="0">
-              <a:latin typeface="Helvetica"/>
-              <a:cs typeface="Helvetica"/>
-            </a:endParaRPr>
-          </a:p>
-        </p:txBody>
-      </p:sp>
-      <p:pic>
-        <p:nvPicPr>
-          <p:cNvPr id="5" name="Picture 4" descr="covar_inter.pdf"/>
-          <p:cNvPicPr>
-            <a:picLocks noChangeAspect="1"/>
-          </p:cNvPicPr>
-          <p:nvPr/>
-        </p:nvPicPr>
-        <p:blipFill>
-          <a:blip r:embed="rId3">
-            <a:extLst>
-              <a:ext uri="{28A0092B-C50C-407E-A947-70E740481C1C}">
-                <a14:useLocalDpi xmlns:a14="http://schemas.microsoft.com/office/drawing/2010/main" val="0"/>
-              </a:ext>
-            </a:extLst>
-          </a:blip>
-          <a:stretch>
-            <a:fillRect/>
-          </a:stretch>
-        </p:blipFill>
-        <p:spPr>
-          <a:xfrm>
-            <a:off x="1" y="2048483"/>
-            <a:ext cx="17900490" cy="8950246"/>
-          </a:xfrm>
-          <a:prstGeom prst="rect">
-            <a:avLst/>
-          </a:prstGeom>
-        </p:spPr>
-      </p:pic>
     </p:spTree>
     <p:extLst>
       <p:ext uri="{BB962C8B-B14F-4D97-AF65-F5344CB8AC3E}">
-        <p14:creationId xmlns:p14="http://schemas.microsoft.com/office/powerpoint/2010/main" val="1040281107"/>
+        <p14:creationId xmlns:p14="http://schemas.microsoft.com/office/powerpoint/2010/main" val="2561065476"/>
       </p:ext>
     </p:extLst>
   </p:cSld>
@@ -11215,7 +11866,7 @@
       </p:grpSpPr>
       <p:sp>
         <p:nvSpPr>
-          <p:cNvPr id="8" name="TextBox 7"/>
+          <p:cNvPr id="4" name="TextBox 3"/>
           <p:cNvSpPr txBox="1"/>
           <p:nvPr/>
         </p:nvSpPr>
@@ -11247,7 +11898,7 @@
                 <a:latin typeface="Helvetica"/>
                 <a:cs typeface="Helvetica"/>
               </a:rPr>
-              <a:t>2</a:t>
+              <a:t>1</a:t>
             </a:r>
             <a:endParaRPr lang="en-US" sz="3200" b="1" dirty="0">
               <a:latin typeface="Helvetica"/>
@@ -11258,7 +11909,7 @@
       </p:sp>
       <p:pic>
         <p:nvPicPr>
-          <p:cNvPr id="11" name="Picture 10" descr="log.pdf"/>
+          <p:cNvPr id="5" name="Picture 4" descr="covar_inter.pdf"/>
           <p:cNvPicPr>
             <a:picLocks noChangeAspect="1"/>
           </p:cNvPicPr>
@@ -11278,8 +11929,8 @@
         </p:blipFill>
         <p:spPr>
           <a:xfrm>
-            <a:off x="2205893" y="3068039"/>
-            <a:ext cx="12049949" cy="6694416"/>
+            <a:off x="1" y="2048483"/>
+            <a:ext cx="17900490" cy="8950246"/>
           </a:xfrm>
           <a:prstGeom prst="rect">
             <a:avLst/>
@@ -11289,20 +11940,13 @@
     </p:spTree>
     <p:extLst>
       <p:ext uri="{BB962C8B-B14F-4D97-AF65-F5344CB8AC3E}">
-        <p14:creationId xmlns:p14="http://schemas.microsoft.com/office/powerpoint/2010/main" val="2696101417"/>
+        <p14:creationId xmlns:p14="http://schemas.microsoft.com/office/powerpoint/2010/main" val="1040281107"/>
       </p:ext>
     </p:extLst>
   </p:cSld>
   <p:clrMapOvr>
     <a:masterClrMapping/>
   </p:clrMapOvr>
-  <p:timing>
-    <p:tnLst>
-      <p:par>
-        <p:cTn xmlns:p14="http://schemas.microsoft.com/office/powerpoint/2010/main" id="1" dur="indefinite" restart="never" nodeType="tmRoot"/>
-      </p:par>
-    </p:tnLst>
-  </p:timing>
 </p:sld>
 </file>
 
